--- a/removal_efficiency.pptx
+++ b/removal_efficiency.pptx
@@ -2271,21 +2271,21 @@
           </p:nvSpPr>
           <p:spPr>
             <a:xfrm>
-              <a:off x="589110" y="6336949"/>
-              <a:ext cx="8466321" cy="0"/>
-            </a:xfrm>
-            <a:custGeom>
-              <a:avLst/>
-              <a:pathLst>
-                <a:path w="8466321" h="0">
-                  <a:moveTo>
-                    <a:pt x="0" y="0"/>
-                  </a:moveTo>
-                  <a:lnTo>
-                    <a:pt x="8466321" y="0"/>
-                  </a:lnTo>
-                  <a:lnTo>
-                    <a:pt x="8466321" y="0"/>
+              <a:off x="512761" y="5490859"/>
+              <a:ext cx="8542670" cy="0"/>
+            </a:xfrm>
+            <a:custGeom>
+              <a:avLst/>
+              <a:pathLst>
+                <a:path w="8542670" h="0">
+                  <a:moveTo>
+                    <a:pt x="0" y="0"/>
+                  </a:moveTo>
+                  <a:lnTo>
+                    <a:pt x="8542670" y="0"/>
+                  </a:lnTo>
+                  <a:lnTo>
+                    <a:pt x="8542670" y="0"/>
                   </a:lnTo>
                 </a:path>
               </a:pathLst>
@@ -2314,21 +2314,21 @@
           </p:nvSpPr>
           <p:spPr>
             <a:xfrm>
-              <a:off x="589110" y="4957426"/>
-              <a:ext cx="8466321" cy="0"/>
-            </a:xfrm>
-            <a:custGeom>
-              <a:avLst/>
-              <a:pathLst>
-                <a:path w="8466321" h="0">
-                  <a:moveTo>
-                    <a:pt x="0" y="0"/>
-                  </a:moveTo>
-                  <a:lnTo>
-                    <a:pt x="8466321" y="0"/>
-                  </a:lnTo>
-                  <a:lnTo>
-                    <a:pt x="8466321" y="0"/>
+              <a:off x="512761" y="4189578"/>
+              <a:ext cx="8542670" cy="0"/>
+            </a:xfrm>
+            <a:custGeom>
+              <a:avLst/>
+              <a:pathLst>
+                <a:path w="8542670" h="0">
+                  <a:moveTo>
+                    <a:pt x="0" y="0"/>
+                  </a:moveTo>
+                  <a:lnTo>
+                    <a:pt x="8542670" y="0"/>
+                  </a:lnTo>
+                  <a:lnTo>
+                    <a:pt x="8542670" y="0"/>
                   </a:lnTo>
                 </a:path>
               </a:pathLst>
@@ -2357,21 +2357,21 @@
           </p:nvSpPr>
           <p:spPr>
             <a:xfrm>
-              <a:off x="589110" y="3577902"/>
-              <a:ext cx="8466321" cy="0"/>
-            </a:xfrm>
-            <a:custGeom>
-              <a:avLst/>
-              <a:pathLst>
-                <a:path w="8466321" h="0">
-                  <a:moveTo>
-                    <a:pt x="0" y="0"/>
-                  </a:moveTo>
-                  <a:lnTo>
-                    <a:pt x="8466321" y="0"/>
-                  </a:lnTo>
-                  <a:lnTo>
-                    <a:pt x="8466321" y="0"/>
+              <a:off x="512761" y="2888296"/>
+              <a:ext cx="8542670" cy="0"/>
+            </a:xfrm>
+            <a:custGeom>
+              <a:avLst/>
+              <a:pathLst>
+                <a:path w="8542670" h="0">
+                  <a:moveTo>
+                    <a:pt x="0" y="0"/>
+                  </a:moveTo>
+                  <a:lnTo>
+                    <a:pt x="8542670" y="0"/>
+                  </a:lnTo>
+                  <a:lnTo>
+                    <a:pt x="8542670" y="0"/>
                   </a:lnTo>
                 </a:path>
               </a:pathLst>
@@ -2400,21 +2400,21 @@
           </p:nvSpPr>
           <p:spPr>
             <a:xfrm>
-              <a:off x="589110" y="2198378"/>
-              <a:ext cx="8466321" cy="0"/>
-            </a:xfrm>
-            <a:custGeom>
-              <a:avLst/>
-              <a:pathLst>
-                <a:path w="8466321" h="0">
-                  <a:moveTo>
-                    <a:pt x="0" y="0"/>
-                  </a:moveTo>
-                  <a:lnTo>
-                    <a:pt x="8466321" y="0"/>
-                  </a:lnTo>
-                  <a:lnTo>
-                    <a:pt x="8466321" y="0"/>
+              <a:off x="512761" y="1587015"/>
+              <a:ext cx="8542670" cy="0"/>
+            </a:xfrm>
+            <a:custGeom>
+              <a:avLst/>
+              <a:pathLst>
+                <a:path w="8542670" h="0">
+                  <a:moveTo>
+                    <a:pt x="0" y="0"/>
+                  </a:moveTo>
+                  <a:lnTo>
+                    <a:pt x="8542670" y="0"/>
+                  </a:lnTo>
+                  <a:lnTo>
+                    <a:pt x="8542670" y="0"/>
                   </a:lnTo>
                 </a:path>
               </a:pathLst>
@@ -2443,21 +2443,21 @@
           </p:nvSpPr>
           <p:spPr>
             <a:xfrm>
-              <a:off x="589110" y="5647188"/>
-              <a:ext cx="8466321" cy="0"/>
-            </a:xfrm>
-            <a:custGeom>
-              <a:avLst/>
-              <a:pathLst>
-                <a:path w="8466321" h="0">
-                  <a:moveTo>
-                    <a:pt x="0" y="0"/>
-                  </a:moveTo>
-                  <a:lnTo>
-                    <a:pt x="8466321" y="0"/>
-                  </a:lnTo>
-                  <a:lnTo>
-                    <a:pt x="8466321" y="0"/>
+              <a:off x="512761" y="6141500"/>
+              <a:ext cx="8542670" cy="0"/>
+            </a:xfrm>
+            <a:custGeom>
+              <a:avLst/>
+              <a:pathLst>
+                <a:path w="8542670" h="0">
+                  <a:moveTo>
+                    <a:pt x="0" y="0"/>
+                  </a:moveTo>
+                  <a:lnTo>
+                    <a:pt x="8542670" y="0"/>
+                  </a:lnTo>
+                  <a:lnTo>
+                    <a:pt x="8542670" y="0"/>
                   </a:lnTo>
                 </a:path>
               </a:pathLst>
@@ -2486,21 +2486,21 @@
           </p:nvSpPr>
           <p:spPr>
             <a:xfrm>
-              <a:off x="589110" y="4267664"/>
-              <a:ext cx="8466321" cy="0"/>
-            </a:xfrm>
-            <a:custGeom>
-              <a:avLst/>
-              <a:pathLst>
-                <a:path w="8466321" h="0">
-                  <a:moveTo>
-                    <a:pt x="0" y="0"/>
-                  </a:moveTo>
-                  <a:lnTo>
-                    <a:pt x="8466321" y="0"/>
-                  </a:lnTo>
-                  <a:lnTo>
-                    <a:pt x="8466321" y="0"/>
+              <a:off x="512761" y="4840219"/>
+              <a:ext cx="8542670" cy="0"/>
+            </a:xfrm>
+            <a:custGeom>
+              <a:avLst/>
+              <a:pathLst>
+                <a:path w="8542670" h="0">
+                  <a:moveTo>
+                    <a:pt x="0" y="0"/>
+                  </a:moveTo>
+                  <a:lnTo>
+                    <a:pt x="8542670" y="0"/>
+                  </a:lnTo>
+                  <a:lnTo>
+                    <a:pt x="8542670" y="0"/>
                   </a:lnTo>
                 </a:path>
               </a:pathLst>
@@ -2529,21 +2529,21 @@
           </p:nvSpPr>
           <p:spPr>
             <a:xfrm>
-              <a:off x="589110" y="2888140"/>
-              <a:ext cx="8466321" cy="0"/>
-            </a:xfrm>
-            <a:custGeom>
-              <a:avLst/>
-              <a:pathLst>
-                <a:path w="8466321" h="0">
-                  <a:moveTo>
-                    <a:pt x="0" y="0"/>
-                  </a:moveTo>
-                  <a:lnTo>
-                    <a:pt x="8466321" y="0"/>
-                  </a:lnTo>
-                  <a:lnTo>
-                    <a:pt x="8466321" y="0"/>
+              <a:off x="512761" y="3538937"/>
+              <a:ext cx="8542670" cy="0"/>
+            </a:xfrm>
+            <a:custGeom>
+              <a:avLst/>
+              <a:pathLst>
+                <a:path w="8542670" h="0">
+                  <a:moveTo>
+                    <a:pt x="0" y="0"/>
+                  </a:moveTo>
+                  <a:lnTo>
+                    <a:pt x="8542670" y="0"/>
+                  </a:lnTo>
+                  <a:lnTo>
+                    <a:pt x="8542670" y="0"/>
                   </a:lnTo>
                 </a:path>
               </a:pathLst>
@@ -2572,21 +2572,21 @@
           </p:nvSpPr>
           <p:spPr>
             <a:xfrm>
-              <a:off x="589110" y="1508617"/>
-              <a:ext cx="8466321" cy="0"/>
-            </a:xfrm>
-            <a:custGeom>
-              <a:avLst/>
-              <a:pathLst>
-                <a:path w="8466321" h="0">
-                  <a:moveTo>
-                    <a:pt x="0" y="0"/>
-                  </a:moveTo>
-                  <a:lnTo>
-                    <a:pt x="8466321" y="0"/>
-                  </a:lnTo>
-                  <a:lnTo>
-                    <a:pt x="8466321" y="0"/>
+              <a:off x="512761" y="2237655"/>
+              <a:ext cx="8542670" cy="0"/>
+            </a:xfrm>
+            <a:custGeom>
+              <a:avLst/>
+              <a:pathLst>
+                <a:path w="8542670" h="0">
+                  <a:moveTo>
+                    <a:pt x="0" y="0"/>
+                  </a:moveTo>
+                  <a:lnTo>
+                    <a:pt x="8542670" y="0"/>
+                  </a:lnTo>
+                  <a:lnTo>
+                    <a:pt x="8542670" y="0"/>
                   </a:lnTo>
                 </a:path>
               </a:pathLst>
@@ -2615,7 +2615,7 @@
           </p:nvSpPr>
           <p:spPr>
             <a:xfrm>
-              <a:off x="2176545" y="939081"/>
+              <a:off x="2114512" y="939081"/>
               <a:ext cx="0" cy="5400501"/>
             </a:xfrm>
             <a:custGeom>
@@ -2658,7 +2658,7 @@
           </p:nvSpPr>
           <p:spPr>
             <a:xfrm>
-              <a:off x="4822271" y="939081"/>
+              <a:off x="4784096" y="939081"/>
               <a:ext cx="0" cy="5400501"/>
             </a:xfrm>
             <a:custGeom>
@@ -2701,7 +2701,7 @@
           </p:nvSpPr>
           <p:spPr>
             <a:xfrm>
-              <a:off x="7467996" y="939081"/>
+              <a:off x="7453681" y="939081"/>
               <a:ext cx="0" cy="5400501"/>
             </a:xfrm>
             <a:custGeom>
@@ -2744,23 +2744,29 @@
           </p:nvSpPr>
           <p:spPr>
             <a:xfrm>
-              <a:off x="1713543" y="3949325"/>
-              <a:ext cx="264572" cy="0"/>
-            </a:xfrm>
-            <a:custGeom>
-              <a:avLst/>
-              <a:pathLst>
-                <a:path w="264572" h="0">
-                  <a:moveTo>
-                    <a:pt x="0" y="0"/>
-                  </a:moveTo>
-                  <a:lnTo>
-                    <a:pt x="264572" y="0"/>
-                  </a:lnTo>
-                </a:path>
-              </a:pathLst>
-            </a:custGeom>
-            <a:ln w="27101" cap="flat">
+              <a:off x="2114512" y="3419606"/>
+              <a:ext cx="0" cy="1401714"/>
+            </a:xfrm>
+            <a:custGeom>
+              <a:avLst/>
+              <a:pathLst>
+                <a:path w="0" h="1401714">
+                  <a:moveTo>
+                    <a:pt x="0" y="1006250"/>
+                  </a:moveTo>
+                  <a:lnTo>
+                    <a:pt x="0" y="1401714"/>
+                  </a:lnTo>
+                  <a:lnTo>
+                    <a:pt x="0" y="1193612"/>
+                  </a:lnTo>
+                  <a:lnTo>
+                    <a:pt x="0" y="0"/>
+                  </a:lnTo>
+                </a:path>
+              </a:pathLst>
+            </a:custGeom>
+            <a:ln w="40651" cap="flat">
               <a:solidFill>
                 <a:srgbClr val="F8766D">
                   <a:alpha val="100000"/>
@@ -2784,23 +2790,75 @@
           </p:nvSpPr>
           <p:spPr>
             <a:xfrm>
-              <a:off x="1845830" y="3949325"/>
-              <a:ext cx="0" cy="1189732"/>
-            </a:xfrm>
-            <a:custGeom>
-              <a:avLst/>
-              <a:pathLst>
-                <a:path w="0" h="1189732">
-                  <a:moveTo>
-                    <a:pt x="0" y="0"/>
-                  </a:moveTo>
-                  <a:lnTo>
-                    <a:pt x="0" y="1189732"/>
-                  </a:lnTo>
-                </a:path>
-              </a:pathLst>
-            </a:custGeom>
-            <a:ln w="27101" cap="flat">
+              <a:off x="2114512" y="2934616"/>
+              <a:ext cx="0" cy="1243517"/>
+            </a:xfrm>
+            <a:custGeom>
+              <a:avLst/>
+              <a:pathLst>
+                <a:path w="0" h="1243517">
+                  <a:moveTo>
+                    <a:pt x="0" y="1072540"/>
+                  </a:moveTo>
+                  <a:lnTo>
+                    <a:pt x="0" y="1243517"/>
+                  </a:lnTo>
+                  <a:lnTo>
+                    <a:pt x="0" y="537632"/>
+                  </a:lnTo>
+                  <a:lnTo>
+                    <a:pt x="0" y="0"/>
+                  </a:lnTo>
+                </a:path>
+              </a:pathLst>
+            </a:custGeom>
+            <a:ln w="40651" cap="flat">
+              <a:solidFill>
+                <a:srgbClr val="00BFC4">
+                  <a:alpha val="100000"/>
+                </a:srgbClr>
+              </a:solidFill>
+              <a:prstDash val="solid"/>
+              <a:round/>
+            </a:ln>
+          </p:spPr>
+          <p:txBody>
+            <a:bodyPr/>
+            <a:lstStyle/>
+            <a:p/>
+          </p:txBody>
+        </p:sp>
+        <p:sp>
+          <p:nvSpPr>
+            <p:cNvPr id="17" name="pl17"/>
+            <p:cNvSpPr/>
+            <p:nvPr/>
+          </p:nvSpPr>
+          <p:spPr>
+            <a:xfrm>
+              <a:off x="4784096" y="2590811"/>
+              <a:ext cx="0" cy="1983062"/>
+            </a:xfrm>
+            <a:custGeom>
+              <a:avLst/>
+              <a:pathLst>
+                <a:path w="0" h="1983062">
+                  <a:moveTo>
+                    <a:pt x="0" y="1983062"/>
+                  </a:moveTo>
+                  <a:lnTo>
+                    <a:pt x="0" y="1295059"/>
+                  </a:lnTo>
+                  <a:lnTo>
+                    <a:pt x="0" y="1967136"/>
+                  </a:lnTo>
+                  <a:lnTo>
+                    <a:pt x="0" y="0"/>
+                  </a:lnTo>
+                </a:path>
+              </a:pathLst>
+            </a:custGeom>
+            <a:ln w="40651" cap="flat">
               <a:solidFill>
                 <a:srgbClr val="F8766D">
                   <a:alpha val="100000"/>
@@ -2818,29 +2876,81 @@
         </p:sp>
         <p:sp>
           <p:nvSpPr>
-            <p:cNvPr id="17" name="pl17"/>
-            <p:cNvSpPr/>
-            <p:nvPr/>
-          </p:nvSpPr>
-          <p:spPr>
-            <a:xfrm>
-              <a:off x="1713543" y="5139058"/>
-              <a:ext cx="264572" cy="0"/>
-            </a:xfrm>
-            <a:custGeom>
-              <a:avLst/>
-              <a:pathLst>
-                <a:path w="264572" h="0">
-                  <a:moveTo>
-                    <a:pt x="0" y="0"/>
-                  </a:moveTo>
-                  <a:lnTo>
-                    <a:pt x="264572" y="0"/>
-                  </a:lnTo>
-                </a:path>
-              </a:pathLst>
-            </a:custGeom>
-            <a:ln w="27101" cap="flat">
+            <p:cNvPr id="18" name="pl18"/>
+            <p:cNvSpPr/>
+            <p:nvPr/>
+          </p:nvSpPr>
+          <p:spPr>
+            <a:xfrm>
+              <a:off x="4784096" y="3947629"/>
+              <a:ext cx="0" cy="1216006"/>
+            </a:xfrm>
+            <a:custGeom>
+              <a:avLst/>
+              <a:pathLst>
+                <a:path w="0" h="1216006">
+                  <a:moveTo>
+                    <a:pt x="0" y="1216006"/>
+                  </a:moveTo>
+                  <a:lnTo>
+                    <a:pt x="0" y="0"/>
+                  </a:lnTo>
+                  <a:lnTo>
+                    <a:pt x="0" y="493945"/>
+                  </a:lnTo>
+                  <a:lnTo>
+                    <a:pt x="0" y="24653"/>
+                  </a:lnTo>
+                </a:path>
+              </a:pathLst>
+            </a:custGeom>
+            <a:ln w="40651" cap="flat">
+              <a:solidFill>
+                <a:srgbClr val="00BFC4">
+                  <a:alpha val="100000"/>
+                </a:srgbClr>
+              </a:solidFill>
+              <a:prstDash val="solid"/>
+              <a:round/>
+            </a:ln>
+          </p:spPr>
+          <p:txBody>
+            <a:bodyPr/>
+            <a:lstStyle/>
+            <a:p/>
+          </p:txBody>
+        </p:sp>
+        <p:sp>
+          <p:nvSpPr>
+            <p:cNvPr id="19" name="pl19"/>
+            <p:cNvSpPr/>
+            <p:nvPr/>
+          </p:nvSpPr>
+          <p:spPr>
+            <a:xfrm>
+              <a:off x="7453681" y="2390967"/>
+              <a:ext cx="0" cy="1237523"/>
+            </a:xfrm>
+            <a:custGeom>
+              <a:avLst/>
+              <a:pathLst>
+                <a:path w="0" h="1237523">
+                  <a:moveTo>
+                    <a:pt x="0" y="298277"/>
+                  </a:moveTo>
+                  <a:lnTo>
+                    <a:pt x="0" y="1237523"/>
+                  </a:lnTo>
+                  <a:lnTo>
+                    <a:pt x="0" y="909495"/>
+                  </a:lnTo>
+                  <a:lnTo>
+                    <a:pt x="0" y="0"/>
+                  </a:lnTo>
+                </a:path>
+              </a:pathLst>
+            </a:custGeom>
+            <a:ln w="40651" cap="flat">
               <a:solidFill>
                 <a:srgbClr val="F8766D">
                   <a:alpha val="100000"/>
@@ -2858,24 +2968,70 @@
         </p:sp>
         <p:sp>
           <p:nvSpPr>
-            <p:cNvPr id="18" name="pl18"/>
-            <p:cNvSpPr/>
-            <p:nvPr/>
-          </p:nvSpPr>
-          <p:spPr>
-            <a:xfrm>
-              <a:off x="4359269" y="2616780"/>
-              <a:ext cx="264572" cy="0"/>
-            </a:xfrm>
-            <a:custGeom>
-              <a:avLst/>
-              <a:pathLst>
-                <a:path w="264572" h="0">
-                  <a:moveTo>
-                    <a:pt x="0" y="0"/>
-                  </a:moveTo>
-                  <a:lnTo>
-                    <a:pt x="264572" y="0"/>
+            <p:cNvPr id="20" name="pl20"/>
+            <p:cNvSpPr/>
+            <p:nvPr/>
+          </p:nvSpPr>
+          <p:spPr>
+            <a:xfrm>
+              <a:off x="7453681" y="3891901"/>
+              <a:ext cx="0" cy="1387809"/>
+            </a:xfrm>
+            <a:custGeom>
+              <a:avLst/>
+              <a:pathLst>
+                <a:path w="0" h="1387809">
+                  <a:moveTo>
+                    <a:pt x="0" y="1139231"/>
+                  </a:moveTo>
+                  <a:lnTo>
+                    <a:pt x="0" y="0"/>
+                  </a:lnTo>
+                  <a:lnTo>
+                    <a:pt x="0" y="778065"/>
+                  </a:lnTo>
+                  <a:lnTo>
+                    <a:pt x="0" y="1387809"/>
+                  </a:lnTo>
+                </a:path>
+              </a:pathLst>
+            </a:custGeom>
+            <a:ln w="40651" cap="flat">
+              <a:solidFill>
+                <a:srgbClr val="00BFC4">
+                  <a:alpha val="100000"/>
+                </a:srgbClr>
+              </a:solidFill>
+              <a:prstDash val="solid"/>
+              <a:round/>
+            </a:ln>
+          </p:spPr>
+          <p:txBody>
+            <a:bodyPr/>
+            <a:lstStyle/>
+            <a:p/>
+          </p:txBody>
+        </p:sp>
+        <p:sp>
+          <p:nvSpPr>
+            <p:cNvPr id="21" name="pl21"/>
+            <p:cNvSpPr/>
+            <p:nvPr/>
+          </p:nvSpPr>
+          <p:spPr>
+            <a:xfrm>
+              <a:off x="1647335" y="3707175"/>
+              <a:ext cx="266958" cy="0"/>
+            </a:xfrm>
+            <a:custGeom>
+              <a:avLst/>
+              <a:pathLst>
+                <a:path w="266958" h="0">
+                  <a:moveTo>
+                    <a:pt x="0" y="0"/>
+                  </a:moveTo>
+                  <a:lnTo>
+                    <a:pt x="266958" y="0"/>
                   </a:lnTo>
                 </a:path>
               </a:pathLst>
@@ -2898,24 +3054,24 @@
         </p:sp>
         <p:sp>
           <p:nvSpPr>
-            <p:cNvPr id="19" name="pl19"/>
-            <p:cNvSpPr/>
-            <p:nvPr/>
-          </p:nvSpPr>
-          <p:spPr>
-            <a:xfrm>
-              <a:off x="4491555" y="2616780"/>
-              <a:ext cx="0" cy="2082824"/>
-            </a:xfrm>
-            <a:custGeom>
-              <a:avLst/>
-              <a:pathLst>
-                <a:path w="0" h="2082824">
-                  <a:moveTo>
-                    <a:pt x="0" y="0"/>
-                  </a:moveTo>
-                  <a:lnTo>
-                    <a:pt x="0" y="2082824"/>
+            <p:cNvPr id="22" name="pl22"/>
+            <p:cNvSpPr/>
+            <p:nvPr/>
+          </p:nvSpPr>
+          <p:spPr>
+            <a:xfrm>
+              <a:off x="1780814" y="3707175"/>
+              <a:ext cx="0" cy="1437362"/>
+            </a:xfrm>
+            <a:custGeom>
+              <a:avLst/>
+              <a:pathLst>
+                <a:path w="0" h="1437362">
+                  <a:moveTo>
+                    <a:pt x="0" y="0"/>
+                  </a:moveTo>
+                  <a:lnTo>
+                    <a:pt x="0" y="1437362"/>
                   </a:lnTo>
                 </a:path>
               </a:pathLst>
@@ -2938,24 +3094,24 @@
         </p:sp>
         <p:sp>
           <p:nvSpPr>
-            <p:cNvPr id="20" name="pl20"/>
-            <p:cNvSpPr/>
-            <p:nvPr/>
-          </p:nvSpPr>
-          <p:spPr>
-            <a:xfrm>
-              <a:off x="4359269" y="4699605"/>
-              <a:ext cx="264572" cy="0"/>
-            </a:xfrm>
-            <a:custGeom>
-              <a:avLst/>
-              <a:pathLst>
-                <a:path w="264572" h="0">
-                  <a:moveTo>
-                    <a:pt x="0" y="0"/>
-                  </a:moveTo>
-                  <a:lnTo>
-                    <a:pt x="264572" y="0"/>
+            <p:cNvPr id="23" name="pl23"/>
+            <p:cNvSpPr/>
+            <p:nvPr/>
+          </p:nvSpPr>
+          <p:spPr>
+            <a:xfrm>
+              <a:off x="1647335" y="5144537"/>
+              <a:ext cx="266958" cy="0"/>
+            </a:xfrm>
+            <a:custGeom>
+              <a:avLst/>
+              <a:pathLst>
+                <a:path w="266958" h="0">
+                  <a:moveTo>
+                    <a:pt x="0" y="0"/>
+                  </a:moveTo>
+                  <a:lnTo>
+                    <a:pt x="266958" y="0"/>
                   </a:lnTo>
                 </a:path>
               </a:pathLst>
@@ -2978,24 +3134,24 @@
         </p:sp>
         <p:sp>
           <p:nvSpPr>
-            <p:cNvPr id="21" name="pl21"/>
-            <p:cNvSpPr/>
-            <p:nvPr/>
-          </p:nvSpPr>
-          <p:spPr>
-            <a:xfrm>
-              <a:off x="7004994" y="1184558"/>
-              <a:ext cx="264572" cy="0"/>
-            </a:xfrm>
-            <a:custGeom>
-              <a:avLst/>
-              <a:pathLst>
-                <a:path w="264572" h="0">
-                  <a:moveTo>
-                    <a:pt x="0" y="0"/>
-                  </a:moveTo>
-                  <a:lnTo>
-                    <a:pt x="264572" y="0"/>
+            <p:cNvPr id="24" name="pl24"/>
+            <p:cNvSpPr/>
+            <p:nvPr/>
+          </p:nvSpPr>
+          <p:spPr>
+            <a:xfrm>
+              <a:off x="1647335" y="4272234"/>
+              <a:ext cx="266958" cy="0"/>
+            </a:xfrm>
+            <a:custGeom>
+              <a:avLst/>
+              <a:pathLst>
+                <a:path w="266958" h="0">
+                  <a:moveTo>
+                    <a:pt x="0" y="0"/>
+                  </a:moveTo>
+                  <a:lnTo>
+                    <a:pt x="266958" y="0"/>
                   </a:lnTo>
                 </a:path>
               </a:pathLst>
@@ -3018,24 +3174,24 @@
         </p:sp>
         <p:sp>
           <p:nvSpPr>
-            <p:cNvPr id="22" name="pl22"/>
-            <p:cNvSpPr/>
-            <p:nvPr/>
-          </p:nvSpPr>
-          <p:spPr>
-            <a:xfrm>
-              <a:off x="7137281" y="1184558"/>
-              <a:ext cx="0" cy="1131515"/>
-            </a:xfrm>
-            <a:custGeom>
-              <a:avLst/>
-              <a:pathLst>
-                <a:path w="0" h="1131515">
-                  <a:moveTo>
-                    <a:pt x="0" y="0"/>
-                  </a:moveTo>
-                  <a:lnTo>
-                    <a:pt x="0" y="1131515"/>
+            <p:cNvPr id="25" name="pl25"/>
+            <p:cNvSpPr/>
+            <p:nvPr/>
+          </p:nvSpPr>
+          <p:spPr>
+            <a:xfrm>
+              <a:off x="1780814" y="4272234"/>
+              <a:ext cx="0" cy="1098170"/>
+            </a:xfrm>
+            <a:custGeom>
+              <a:avLst/>
+              <a:pathLst>
+                <a:path w="0" h="1098170">
+                  <a:moveTo>
+                    <a:pt x="0" y="0"/>
+                  </a:moveTo>
+                  <a:lnTo>
+                    <a:pt x="0" y="1098170"/>
                   </a:lnTo>
                 </a:path>
               </a:pathLst>
@@ -3058,24 +3214,24 @@
         </p:sp>
         <p:sp>
           <p:nvSpPr>
-            <p:cNvPr id="23" name="pl23"/>
-            <p:cNvSpPr/>
-            <p:nvPr/>
-          </p:nvSpPr>
-          <p:spPr>
-            <a:xfrm>
-              <a:off x="7004994" y="2316073"/>
-              <a:ext cx="264572" cy="0"/>
-            </a:xfrm>
-            <a:custGeom>
-              <a:avLst/>
-              <a:pathLst>
-                <a:path w="264572" h="0">
-                  <a:moveTo>
-                    <a:pt x="0" y="0"/>
-                  </a:moveTo>
-                  <a:lnTo>
-                    <a:pt x="264572" y="0"/>
+            <p:cNvPr id="26" name="pl26"/>
+            <p:cNvSpPr/>
+            <p:nvPr/>
+          </p:nvSpPr>
+          <p:spPr>
+            <a:xfrm>
+              <a:off x="1647335" y="5370405"/>
+              <a:ext cx="266958" cy="0"/>
+            </a:xfrm>
+            <a:custGeom>
+              <a:avLst/>
+              <a:pathLst>
+                <a:path w="266958" h="0">
+                  <a:moveTo>
+                    <a:pt x="0" y="0"/>
+                  </a:moveTo>
+                  <a:lnTo>
+                    <a:pt x="266958" y="0"/>
                   </a:lnTo>
                 </a:path>
               </a:pathLst>
@@ -3098,24 +3254,1224 @@
         </p:sp>
         <p:sp>
           <p:nvSpPr>
-            <p:cNvPr id="24" name="pl24"/>
-            <p:cNvSpPr/>
-            <p:nvPr/>
-          </p:nvSpPr>
-          <p:spPr>
-            <a:xfrm>
-              <a:off x="2374975" y="2561932"/>
-              <a:ext cx="264572" cy="0"/>
-            </a:xfrm>
-            <a:custGeom>
-              <a:avLst/>
-              <a:pathLst>
-                <a:path w="264572" h="0">
-                  <a:moveTo>
-                    <a:pt x="0" y="0"/>
-                  </a:moveTo>
-                  <a:lnTo>
-                    <a:pt x="264572" y="0"/>
+            <p:cNvPr id="27" name="pl27"/>
+            <p:cNvSpPr/>
+            <p:nvPr/>
+          </p:nvSpPr>
+          <p:spPr>
+            <a:xfrm>
+              <a:off x="1647335" y="4137282"/>
+              <a:ext cx="266958" cy="0"/>
+            </a:xfrm>
+            <a:custGeom>
+              <a:avLst/>
+              <a:pathLst>
+                <a:path w="266958" h="0">
+                  <a:moveTo>
+                    <a:pt x="0" y="0"/>
+                  </a:moveTo>
+                  <a:lnTo>
+                    <a:pt x="266958" y="0"/>
+                  </a:lnTo>
+                </a:path>
+              </a:pathLst>
+            </a:custGeom>
+            <a:ln w="27101" cap="flat">
+              <a:solidFill>
+                <a:srgbClr val="F8766D">
+                  <a:alpha val="100000"/>
+                </a:srgbClr>
+              </a:solidFill>
+              <a:prstDash val="solid"/>
+              <a:round/>
+            </a:ln>
+          </p:spPr>
+          <p:txBody>
+            <a:bodyPr/>
+            <a:lstStyle/>
+            <a:p/>
+          </p:txBody>
+        </p:sp>
+        <p:sp>
+          <p:nvSpPr>
+            <p:cNvPr id="28" name="pl28"/>
+            <p:cNvSpPr/>
+            <p:nvPr/>
+          </p:nvSpPr>
+          <p:spPr>
+            <a:xfrm>
+              <a:off x="1780814" y="4137282"/>
+              <a:ext cx="0" cy="951870"/>
+            </a:xfrm>
+            <a:custGeom>
+              <a:avLst/>
+              <a:pathLst>
+                <a:path w="0" h="951870">
+                  <a:moveTo>
+                    <a:pt x="0" y="0"/>
+                  </a:moveTo>
+                  <a:lnTo>
+                    <a:pt x="0" y="951870"/>
+                  </a:lnTo>
+                </a:path>
+              </a:pathLst>
+            </a:custGeom>
+            <a:ln w="27101" cap="flat">
+              <a:solidFill>
+                <a:srgbClr val="F8766D">
+                  <a:alpha val="100000"/>
+                </a:srgbClr>
+              </a:solidFill>
+              <a:prstDash val="solid"/>
+              <a:round/>
+            </a:ln>
+          </p:spPr>
+          <p:txBody>
+            <a:bodyPr/>
+            <a:lstStyle/>
+            <a:p/>
+          </p:txBody>
+        </p:sp>
+        <p:sp>
+          <p:nvSpPr>
+            <p:cNvPr id="29" name="pl29"/>
+            <p:cNvSpPr/>
+            <p:nvPr/>
+          </p:nvSpPr>
+          <p:spPr>
+            <a:xfrm>
+              <a:off x="1647335" y="5089153"/>
+              <a:ext cx="266958" cy="0"/>
+            </a:xfrm>
+            <a:custGeom>
+              <a:avLst/>
+              <a:pathLst>
+                <a:path w="266958" h="0">
+                  <a:moveTo>
+                    <a:pt x="0" y="0"/>
+                  </a:moveTo>
+                  <a:lnTo>
+                    <a:pt x="266958" y="0"/>
+                  </a:lnTo>
+                </a:path>
+              </a:pathLst>
+            </a:custGeom>
+            <a:ln w="27101" cap="flat">
+              <a:solidFill>
+                <a:srgbClr val="F8766D">
+                  <a:alpha val="100000"/>
+                </a:srgbClr>
+              </a:solidFill>
+              <a:prstDash val="solid"/>
+              <a:round/>
+            </a:ln>
+          </p:spPr>
+          <p:txBody>
+            <a:bodyPr/>
+            <a:lstStyle/>
+            <a:p/>
+          </p:txBody>
+        </p:sp>
+        <p:sp>
+          <p:nvSpPr>
+            <p:cNvPr id="30" name="pl30"/>
+            <p:cNvSpPr/>
+            <p:nvPr/>
+          </p:nvSpPr>
+          <p:spPr>
+            <a:xfrm>
+              <a:off x="1647335" y="3091529"/>
+              <a:ext cx="266958" cy="0"/>
+            </a:xfrm>
+            <a:custGeom>
+              <a:avLst/>
+              <a:pathLst>
+                <a:path w="266958" h="0">
+                  <a:moveTo>
+                    <a:pt x="0" y="0"/>
+                  </a:moveTo>
+                  <a:lnTo>
+                    <a:pt x="266958" y="0"/>
+                  </a:lnTo>
+                </a:path>
+              </a:pathLst>
+            </a:custGeom>
+            <a:ln w="27101" cap="flat">
+              <a:solidFill>
+                <a:srgbClr val="F8766D">
+                  <a:alpha val="100000"/>
+                </a:srgbClr>
+              </a:solidFill>
+              <a:prstDash val="solid"/>
+              <a:round/>
+            </a:ln>
+          </p:spPr>
+          <p:txBody>
+            <a:bodyPr/>
+            <a:lstStyle/>
+            <a:p/>
+          </p:txBody>
+        </p:sp>
+        <p:sp>
+          <p:nvSpPr>
+            <p:cNvPr id="31" name="pl31"/>
+            <p:cNvSpPr/>
+            <p:nvPr/>
+          </p:nvSpPr>
+          <p:spPr>
+            <a:xfrm>
+              <a:off x="1780814" y="3091529"/>
+              <a:ext cx="0" cy="656152"/>
+            </a:xfrm>
+            <a:custGeom>
+              <a:avLst/>
+              <a:pathLst>
+                <a:path w="0" h="656152">
+                  <a:moveTo>
+                    <a:pt x="0" y="0"/>
+                  </a:moveTo>
+                  <a:lnTo>
+                    <a:pt x="0" y="656152"/>
+                  </a:lnTo>
+                </a:path>
+              </a:pathLst>
+            </a:custGeom>
+            <a:ln w="27101" cap="flat">
+              <a:solidFill>
+                <a:srgbClr val="F8766D">
+                  <a:alpha val="100000"/>
+                </a:srgbClr>
+              </a:solidFill>
+              <a:prstDash val="solid"/>
+              <a:round/>
+            </a:ln>
+          </p:spPr>
+          <p:txBody>
+            <a:bodyPr/>
+            <a:lstStyle/>
+            <a:p/>
+          </p:txBody>
+        </p:sp>
+        <p:sp>
+          <p:nvSpPr>
+            <p:cNvPr id="32" name="pl32"/>
+            <p:cNvSpPr/>
+            <p:nvPr/>
+          </p:nvSpPr>
+          <p:spPr>
+            <a:xfrm>
+              <a:off x="1647335" y="3747682"/>
+              <a:ext cx="266958" cy="0"/>
+            </a:xfrm>
+            <a:custGeom>
+              <a:avLst/>
+              <a:pathLst>
+                <a:path w="266958" h="0">
+                  <a:moveTo>
+                    <a:pt x="0" y="0"/>
+                  </a:moveTo>
+                  <a:lnTo>
+                    <a:pt x="266958" y="0"/>
+                  </a:lnTo>
+                </a:path>
+              </a:pathLst>
+            </a:custGeom>
+            <a:ln w="27101" cap="flat">
+              <a:solidFill>
+                <a:srgbClr val="F8766D">
+                  <a:alpha val="100000"/>
+                </a:srgbClr>
+              </a:solidFill>
+              <a:prstDash val="solid"/>
+              <a:round/>
+            </a:ln>
+          </p:spPr>
+          <p:txBody>
+            <a:bodyPr/>
+            <a:lstStyle/>
+            <a:p/>
+          </p:txBody>
+        </p:sp>
+        <p:sp>
+          <p:nvSpPr>
+            <p:cNvPr id="33" name="pl33"/>
+            <p:cNvSpPr/>
+            <p:nvPr/>
+          </p:nvSpPr>
+          <p:spPr>
+            <a:xfrm>
+              <a:off x="4316919" y="3519253"/>
+              <a:ext cx="266958" cy="0"/>
+            </a:xfrm>
+            <a:custGeom>
+              <a:avLst/>
+              <a:pathLst>
+                <a:path w="266958" h="0">
+                  <a:moveTo>
+                    <a:pt x="0" y="0"/>
+                  </a:moveTo>
+                  <a:lnTo>
+                    <a:pt x="266958" y="0"/>
+                  </a:lnTo>
+                </a:path>
+              </a:pathLst>
+            </a:custGeom>
+            <a:ln w="27101" cap="flat">
+              <a:solidFill>
+                <a:srgbClr val="F8766D">
+                  <a:alpha val="100000"/>
+                </a:srgbClr>
+              </a:solidFill>
+              <a:prstDash val="solid"/>
+              <a:round/>
+            </a:ln>
+          </p:spPr>
+          <p:txBody>
+            <a:bodyPr/>
+            <a:lstStyle/>
+            <a:p/>
+          </p:txBody>
+        </p:sp>
+        <p:sp>
+          <p:nvSpPr>
+            <p:cNvPr id="34" name="pl34"/>
+            <p:cNvSpPr/>
+            <p:nvPr/>
+          </p:nvSpPr>
+          <p:spPr>
+            <a:xfrm>
+              <a:off x="4450398" y="3519253"/>
+              <a:ext cx="0" cy="2109241"/>
+            </a:xfrm>
+            <a:custGeom>
+              <a:avLst/>
+              <a:pathLst>
+                <a:path w="0" h="2109241">
+                  <a:moveTo>
+                    <a:pt x="0" y="0"/>
+                  </a:moveTo>
+                  <a:lnTo>
+                    <a:pt x="0" y="2109241"/>
+                  </a:lnTo>
+                </a:path>
+              </a:pathLst>
+            </a:custGeom>
+            <a:ln w="27101" cap="flat">
+              <a:solidFill>
+                <a:srgbClr val="F8766D">
+                  <a:alpha val="100000"/>
+                </a:srgbClr>
+              </a:solidFill>
+              <a:prstDash val="solid"/>
+              <a:round/>
+            </a:ln>
+          </p:spPr>
+          <p:txBody>
+            <a:bodyPr/>
+            <a:lstStyle/>
+            <a:p/>
+          </p:txBody>
+        </p:sp>
+        <p:sp>
+          <p:nvSpPr>
+            <p:cNvPr id="35" name="pl35"/>
+            <p:cNvSpPr/>
+            <p:nvPr/>
+          </p:nvSpPr>
+          <p:spPr>
+            <a:xfrm>
+              <a:off x="4316919" y="5628495"/>
+              <a:ext cx="266958" cy="0"/>
+            </a:xfrm>
+            <a:custGeom>
+              <a:avLst/>
+              <a:pathLst>
+                <a:path w="266958" h="0">
+                  <a:moveTo>
+                    <a:pt x="0" y="0"/>
+                  </a:moveTo>
+                  <a:lnTo>
+                    <a:pt x="266958" y="0"/>
+                  </a:lnTo>
+                </a:path>
+              </a:pathLst>
+            </a:custGeom>
+            <a:ln w="27101" cap="flat">
+              <a:solidFill>
+                <a:srgbClr val="F8766D">
+                  <a:alpha val="100000"/>
+                </a:srgbClr>
+              </a:solidFill>
+              <a:prstDash val="solid"/>
+              <a:round/>
+            </a:ln>
+          </p:spPr>
+          <p:txBody>
+            <a:bodyPr/>
+            <a:lstStyle/>
+            <a:p/>
+          </p:txBody>
+        </p:sp>
+        <p:sp>
+          <p:nvSpPr>
+            <p:cNvPr id="36" name="pl36"/>
+            <p:cNvSpPr/>
+            <p:nvPr/>
+          </p:nvSpPr>
+          <p:spPr>
+            <a:xfrm>
+              <a:off x="4316919" y="3093945"/>
+              <a:ext cx="266958" cy="0"/>
+            </a:xfrm>
+            <a:custGeom>
+              <a:avLst/>
+              <a:pathLst>
+                <a:path w="266958" h="0">
+                  <a:moveTo>
+                    <a:pt x="0" y="0"/>
+                  </a:moveTo>
+                  <a:lnTo>
+                    <a:pt x="266958" y="0"/>
+                  </a:lnTo>
+                </a:path>
+              </a:pathLst>
+            </a:custGeom>
+            <a:ln w="27101" cap="flat">
+              <a:solidFill>
+                <a:srgbClr val="F8766D">
+                  <a:alpha val="100000"/>
+                </a:srgbClr>
+              </a:solidFill>
+              <a:prstDash val="solid"/>
+              <a:round/>
+            </a:ln>
+          </p:spPr>
+          <p:txBody>
+            <a:bodyPr/>
+            <a:lstStyle/>
+            <a:p/>
+          </p:txBody>
+        </p:sp>
+        <p:sp>
+          <p:nvSpPr>
+            <p:cNvPr id="37" name="pl37"/>
+            <p:cNvSpPr/>
+            <p:nvPr/>
+          </p:nvSpPr>
+          <p:spPr>
+            <a:xfrm>
+              <a:off x="4450398" y="3093945"/>
+              <a:ext cx="0" cy="1583851"/>
+            </a:xfrm>
+            <a:custGeom>
+              <a:avLst/>
+              <a:pathLst>
+                <a:path w="0" h="1583851">
+                  <a:moveTo>
+                    <a:pt x="0" y="0"/>
+                  </a:moveTo>
+                  <a:lnTo>
+                    <a:pt x="0" y="1583851"/>
+                  </a:lnTo>
+                </a:path>
+              </a:pathLst>
+            </a:custGeom>
+            <a:ln w="27101" cap="flat">
+              <a:solidFill>
+                <a:srgbClr val="F8766D">
+                  <a:alpha val="100000"/>
+                </a:srgbClr>
+              </a:solidFill>
+              <a:prstDash val="solid"/>
+              <a:round/>
+            </a:ln>
+          </p:spPr>
+          <p:txBody>
+            <a:bodyPr/>
+            <a:lstStyle/>
+            <a:p/>
+          </p:txBody>
+        </p:sp>
+        <p:sp>
+          <p:nvSpPr>
+            <p:cNvPr id="38" name="pl38"/>
+            <p:cNvSpPr/>
+            <p:nvPr/>
+          </p:nvSpPr>
+          <p:spPr>
+            <a:xfrm>
+              <a:off x="4316919" y="4677796"/>
+              <a:ext cx="266958" cy="0"/>
+            </a:xfrm>
+            <a:custGeom>
+              <a:avLst/>
+              <a:pathLst>
+                <a:path w="266958" h="0">
+                  <a:moveTo>
+                    <a:pt x="0" y="0"/>
+                  </a:moveTo>
+                  <a:lnTo>
+                    <a:pt x="266958" y="0"/>
+                  </a:lnTo>
+                </a:path>
+              </a:pathLst>
+            </a:custGeom>
+            <a:ln w="27101" cap="flat">
+              <a:solidFill>
+                <a:srgbClr val="F8766D">
+                  <a:alpha val="100000"/>
+                </a:srgbClr>
+              </a:solidFill>
+              <a:prstDash val="solid"/>
+              <a:round/>
+            </a:ln>
+          </p:spPr>
+          <p:txBody>
+            <a:bodyPr/>
+            <a:lstStyle/>
+            <a:p/>
+          </p:txBody>
+        </p:sp>
+        <p:sp>
+          <p:nvSpPr>
+            <p:cNvPr id="39" name="pl39"/>
+            <p:cNvSpPr/>
+            <p:nvPr/>
+          </p:nvSpPr>
+          <p:spPr>
+            <a:xfrm>
+              <a:off x="4316919" y="4019401"/>
+              <a:ext cx="266958" cy="0"/>
+            </a:xfrm>
+            <a:custGeom>
+              <a:avLst/>
+              <a:pathLst>
+                <a:path w="266958" h="0">
+                  <a:moveTo>
+                    <a:pt x="0" y="0"/>
+                  </a:moveTo>
+                  <a:lnTo>
+                    <a:pt x="266958" y="0"/>
+                  </a:lnTo>
+                </a:path>
+              </a:pathLst>
+            </a:custGeom>
+            <a:ln w="27101" cap="flat">
+              <a:solidFill>
+                <a:srgbClr val="F8766D">
+                  <a:alpha val="100000"/>
+                </a:srgbClr>
+              </a:solidFill>
+              <a:prstDash val="solid"/>
+              <a:round/>
+            </a:ln>
+          </p:spPr>
+          <p:txBody>
+            <a:bodyPr/>
+            <a:lstStyle/>
+            <a:p/>
+          </p:txBody>
+        </p:sp>
+        <p:sp>
+          <p:nvSpPr>
+            <p:cNvPr id="40" name="pl40"/>
+            <p:cNvSpPr/>
+            <p:nvPr/>
+          </p:nvSpPr>
+          <p:spPr>
+            <a:xfrm>
+              <a:off x="4450398" y="4019401"/>
+              <a:ext cx="0" cy="1077091"/>
+            </a:xfrm>
+            <a:custGeom>
+              <a:avLst/>
+              <a:pathLst>
+                <a:path w="0" h="1077091">
+                  <a:moveTo>
+                    <a:pt x="0" y="0"/>
+                  </a:moveTo>
+                  <a:lnTo>
+                    <a:pt x="0" y="1077091"/>
+                  </a:lnTo>
+                </a:path>
+              </a:pathLst>
+            </a:custGeom>
+            <a:ln w="27101" cap="flat">
+              <a:solidFill>
+                <a:srgbClr val="F8766D">
+                  <a:alpha val="100000"/>
+                </a:srgbClr>
+              </a:solidFill>
+              <a:prstDash val="solid"/>
+              <a:round/>
+            </a:ln>
+          </p:spPr>
+          <p:txBody>
+            <a:bodyPr/>
+            <a:lstStyle/>
+            <a:p/>
+          </p:txBody>
+        </p:sp>
+        <p:sp>
+          <p:nvSpPr>
+            <p:cNvPr id="41" name="pl41"/>
+            <p:cNvSpPr/>
+            <p:nvPr/>
+          </p:nvSpPr>
+          <p:spPr>
+            <a:xfrm>
+              <a:off x="4316919" y="5096493"/>
+              <a:ext cx="266958" cy="0"/>
+            </a:xfrm>
+            <a:custGeom>
+              <a:avLst/>
+              <a:pathLst>
+                <a:path w="266958" h="0">
+                  <a:moveTo>
+                    <a:pt x="0" y="0"/>
+                  </a:moveTo>
+                  <a:lnTo>
+                    <a:pt x="266958" y="0"/>
+                  </a:lnTo>
+                </a:path>
+              </a:pathLst>
+            </a:custGeom>
+            <a:ln w="27101" cap="flat">
+              <a:solidFill>
+                <a:srgbClr val="F8766D">
+                  <a:alpha val="100000"/>
+                </a:srgbClr>
+              </a:solidFill>
+              <a:prstDash val="solid"/>
+              <a:round/>
+            </a:ln>
+          </p:spPr>
+          <p:txBody>
+            <a:bodyPr/>
+            <a:lstStyle/>
+            <a:p/>
+          </p:txBody>
+        </p:sp>
+        <p:sp>
+          <p:nvSpPr>
+            <p:cNvPr id="42" name="pl42"/>
+            <p:cNvSpPr/>
+            <p:nvPr/>
+          </p:nvSpPr>
+          <p:spPr>
+            <a:xfrm>
+              <a:off x="4316919" y="1184558"/>
+              <a:ext cx="266958" cy="0"/>
+            </a:xfrm>
+            <a:custGeom>
+              <a:avLst/>
+              <a:pathLst>
+                <a:path w="266958" h="0">
+                  <a:moveTo>
+                    <a:pt x="0" y="0"/>
+                  </a:moveTo>
+                  <a:lnTo>
+                    <a:pt x="266958" y="0"/>
+                  </a:lnTo>
+                </a:path>
+              </a:pathLst>
+            </a:custGeom>
+            <a:ln w="27101" cap="flat">
+              <a:solidFill>
+                <a:srgbClr val="F8766D">
+                  <a:alpha val="100000"/>
+                </a:srgbClr>
+              </a:solidFill>
+              <a:prstDash val="solid"/>
+              <a:round/>
+            </a:ln>
+          </p:spPr>
+          <p:txBody>
+            <a:bodyPr/>
+            <a:lstStyle/>
+            <a:p/>
+          </p:txBody>
+        </p:sp>
+        <p:sp>
+          <p:nvSpPr>
+            <p:cNvPr id="43" name="pl43"/>
+            <p:cNvSpPr/>
+            <p:nvPr/>
+          </p:nvSpPr>
+          <p:spPr>
+            <a:xfrm>
+              <a:off x="4450398" y="1184558"/>
+              <a:ext cx="0" cy="2812506"/>
+            </a:xfrm>
+            <a:custGeom>
+              <a:avLst/>
+              <a:pathLst>
+                <a:path w="0" h="2812506">
+                  <a:moveTo>
+                    <a:pt x="0" y="0"/>
+                  </a:moveTo>
+                  <a:lnTo>
+                    <a:pt x="0" y="2812506"/>
+                  </a:lnTo>
+                </a:path>
+              </a:pathLst>
+            </a:custGeom>
+            <a:ln w="27101" cap="flat">
+              <a:solidFill>
+                <a:srgbClr val="F8766D">
+                  <a:alpha val="100000"/>
+                </a:srgbClr>
+              </a:solidFill>
+              <a:prstDash val="solid"/>
+              <a:round/>
+            </a:ln>
+          </p:spPr>
+          <p:txBody>
+            <a:bodyPr/>
+            <a:lstStyle/>
+            <a:p/>
+          </p:txBody>
+        </p:sp>
+        <p:sp>
+          <p:nvSpPr>
+            <p:cNvPr id="44" name="pl44"/>
+            <p:cNvSpPr/>
+            <p:nvPr/>
+          </p:nvSpPr>
+          <p:spPr>
+            <a:xfrm>
+              <a:off x="4316919" y="3997064"/>
+              <a:ext cx="266958" cy="0"/>
+            </a:xfrm>
+            <a:custGeom>
+              <a:avLst/>
+              <a:pathLst>
+                <a:path w="266958" h="0">
+                  <a:moveTo>
+                    <a:pt x="0" y="0"/>
+                  </a:moveTo>
+                  <a:lnTo>
+                    <a:pt x="266958" y="0"/>
+                  </a:lnTo>
+                </a:path>
+              </a:pathLst>
+            </a:custGeom>
+            <a:ln w="27101" cap="flat">
+              <a:solidFill>
+                <a:srgbClr val="F8766D">
+                  <a:alpha val="100000"/>
+                </a:srgbClr>
+              </a:solidFill>
+              <a:prstDash val="solid"/>
+              <a:round/>
+            </a:ln>
+          </p:spPr>
+          <p:txBody>
+            <a:bodyPr/>
+            <a:lstStyle/>
+            <a:p/>
+          </p:txBody>
+        </p:sp>
+        <p:sp>
+          <p:nvSpPr>
+            <p:cNvPr id="45" name="pl45"/>
+            <p:cNvSpPr/>
+            <p:nvPr/>
+          </p:nvSpPr>
+          <p:spPr>
+            <a:xfrm>
+              <a:off x="6986504" y="1876851"/>
+              <a:ext cx="266958" cy="0"/>
+            </a:xfrm>
+            <a:custGeom>
+              <a:avLst/>
+              <a:pathLst>
+                <a:path w="266958" h="0">
+                  <a:moveTo>
+                    <a:pt x="0" y="0"/>
+                  </a:moveTo>
+                  <a:lnTo>
+                    <a:pt x="266958" y="0"/>
+                  </a:lnTo>
+                </a:path>
+              </a:pathLst>
+            </a:custGeom>
+            <a:ln w="27101" cap="flat">
+              <a:solidFill>
+                <a:srgbClr val="F8766D">
+                  <a:alpha val="100000"/>
+                </a:srgbClr>
+              </a:solidFill>
+              <a:prstDash val="solid"/>
+              <a:round/>
+            </a:ln>
+          </p:spPr>
+          <p:txBody>
+            <a:bodyPr/>
+            <a:lstStyle/>
+            <a:p/>
+          </p:txBody>
+        </p:sp>
+        <p:sp>
+          <p:nvSpPr>
+            <p:cNvPr id="46" name="pl46"/>
+            <p:cNvSpPr/>
+            <p:nvPr/>
+          </p:nvSpPr>
+          <p:spPr>
+            <a:xfrm>
+              <a:off x="7119983" y="1876851"/>
+              <a:ext cx="0" cy="1624788"/>
+            </a:xfrm>
+            <a:custGeom>
+              <a:avLst/>
+              <a:pathLst>
+                <a:path w="0" h="1624788">
+                  <a:moveTo>
+                    <a:pt x="0" y="0"/>
+                  </a:moveTo>
+                  <a:lnTo>
+                    <a:pt x="0" y="1624788"/>
+                  </a:lnTo>
+                </a:path>
+              </a:pathLst>
+            </a:custGeom>
+            <a:ln w="27101" cap="flat">
+              <a:solidFill>
+                <a:srgbClr val="F8766D">
+                  <a:alpha val="100000"/>
+                </a:srgbClr>
+              </a:solidFill>
+              <a:prstDash val="solid"/>
+              <a:round/>
+            </a:ln>
+          </p:spPr>
+          <p:txBody>
+            <a:bodyPr/>
+            <a:lstStyle/>
+            <a:p/>
+          </p:txBody>
+        </p:sp>
+        <p:sp>
+          <p:nvSpPr>
+            <p:cNvPr id="47" name="pl47"/>
+            <p:cNvSpPr/>
+            <p:nvPr/>
+          </p:nvSpPr>
+          <p:spPr>
+            <a:xfrm>
+              <a:off x="6986504" y="3501639"/>
+              <a:ext cx="266958" cy="0"/>
+            </a:xfrm>
+            <a:custGeom>
+              <a:avLst/>
+              <a:pathLst>
+                <a:path w="266958" h="0">
+                  <a:moveTo>
+                    <a:pt x="0" y="0"/>
+                  </a:moveTo>
+                  <a:lnTo>
+                    <a:pt x="266958" y="0"/>
+                  </a:lnTo>
+                </a:path>
+              </a:pathLst>
+            </a:custGeom>
+            <a:ln w="27101" cap="flat">
+              <a:solidFill>
+                <a:srgbClr val="F8766D">
+                  <a:alpha val="100000"/>
+                </a:srgbClr>
+              </a:solidFill>
+              <a:prstDash val="solid"/>
+              <a:round/>
+            </a:ln>
+          </p:spPr>
+          <p:txBody>
+            <a:bodyPr/>
+            <a:lstStyle/>
+            <a:p/>
+          </p:txBody>
+        </p:sp>
+        <p:sp>
+          <p:nvSpPr>
+            <p:cNvPr id="48" name="pl48"/>
+            <p:cNvSpPr/>
+            <p:nvPr/>
+          </p:nvSpPr>
+          <p:spPr>
+            <a:xfrm>
+              <a:off x="6986504" y="3055467"/>
+              <a:ext cx="266958" cy="0"/>
+            </a:xfrm>
+            <a:custGeom>
+              <a:avLst/>
+              <a:pathLst>
+                <a:path w="266958" h="0">
+                  <a:moveTo>
+                    <a:pt x="0" y="0"/>
+                  </a:moveTo>
+                  <a:lnTo>
+                    <a:pt x="266958" y="0"/>
+                  </a:lnTo>
+                </a:path>
+              </a:pathLst>
+            </a:custGeom>
+            <a:ln w="27101" cap="flat">
+              <a:solidFill>
+                <a:srgbClr val="F8766D">
+                  <a:alpha val="100000"/>
+                </a:srgbClr>
+              </a:solidFill>
+              <a:prstDash val="solid"/>
+              <a:round/>
+            </a:ln>
+          </p:spPr>
+          <p:txBody>
+            <a:bodyPr/>
+            <a:lstStyle/>
+            <a:p/>
+          </p:txBody>
+        </p:sp>
+        <p:sp>
+          <p:nvSpPr>
+            <p:cNvPr id="49" name="pl49"/>
+            <p:cNvSpPr/>
+            <p:nvPr/>
+          </p:nvSpPr>
+          <p:spPr>
+            <a:xfrm>
+              <a:off x="7119983" y="3055467"/>
+              <a:ext cx="0" cy="1146047"/>
+            </a:xfrm>
+            <a:custGeom>
+              <a:avLst/>
+              <a:pathLst>
+                <a:path w="0" h="1146047">
+                  <a:moveTo>
+                    <a:pt x="0" y="0"/>
+                  </a:moveTo>
+                  <a:lnTo>
+                    <a:pt x="0" y="1146047"/>
+                  </a:lnTo>
+                </a:path>
+              </a:pathLst>
+            </a:custGeom>
+            <a:ln w="27101" cap="flat">
+              <a:solidFill>
+                <a:srgbClr val="F8766D">
+                  <a:alpha val="100000"/>
+                </a:srgbClr>
+              </a:solidFill>
+              <a:prstDash val="solid"/>
+              <a:round/>
+            </a:ln>
+          </p:spPr>
+          <p:txBody>
+            <a:bodyPr/>
+            <a:lstStyle/>
+            <a:p/>
+          </p:txBody>
+        </p:sp>
+        <p:sp>
+          <p:nvSpPr>
+            <p:cNvPr id="50" name="pl50"/>
+            <p:cNvSpPr/>
+            <p:nvPr/>
+          </p:nvSpPr>
+          <p:spPr>
+            <a:xfrm>
+              <a:off x="6986504" y="4201515"/>
+              <a:ext cx="266958" cy="0"/>
+            </a:xfrm>
+            <a:custGeom>
+              <a:avLst/>
+              <a:pathLst>
+                <a:path w="266958" h="0">
+                  <a:moveTo>
+                    <a:pt x="0" y="0"/>
+                  </a:moveTo>
+                  <a:lnTo>
+                    <a:pt x="266958" y="0"/>
+                  </a:lnTo>
+                </a:path>
+              </a:pathLst>
+            </a:custGeom>
+            <a:ln w="27101" cap="flat">
+              <a:solidFill>
+                <a:srgbClr val="F8766D">
+                  <a:alpha val="100000"/>
+                </a:srgbClr>
+              </a:solidFill>
+              <a:prstDash val="solid"/>
+              <a:round/>
+            </a:ln>
+          </p:spPr>
+          <p:txBody>
+            <a:bodyPr/>
+            <a:lstStyle/>
+            <a:p/>
+          </p:txBody>
+        </p:sp>
+        <p:sp>
+          <p:nvSpPr>
+            <p:cNvPr id="51" name="pl51"/>
+            <p:cNvSpPr/>
+            <p:nvPr/>
+          </p:nvSpPr>
+          <p:spPr>
+            <a:xfrm>
+              <a:off x="6986504" y="3104420"/>
+              <a:ext cx="266958" cy="0"/>
+            </a:xfrm>
+            <a:custGeom>
+              <a:avLst/>
+              <a:pathLst>
+                <a:path w="266958" h="0">
+                  <a:moveTo>
+                    <a:pt x="0" y="0"/>
+                  </a:moveTo>
+                  <a:lnTo>
+                    <a:pt x="266958" y="0"/>
+                  </a:lnTo>
+                </a:path>
+              </a:pathLst>
+            </a:custGeom>
+            <a:ln w="27101" cap="flat">
+              <a:solidFill>
+                <a:srgbClr val="F8766D">
+                  <a:alpha val="100000"/>
+                </a:srgbClr>
+              </a:solidFill>
+              <a:prstDash val="solid"/>
+              <a:round/>
+            </a:ln>
+          </p:spPr>
+          <p:txBody>
+            <a:bodyPr/>
+            <a:lstStyle/>
+            <a:p/>
+          </p:txBody>
+        </p:sp>
+        <p:sp>
+          <p:nvSpPr>
+            <p:cNvPr id="52" name="pl52"/>
+            <p:cNvSpPr/>
+            <p:nvPr/>
+          </p:nvSpPr>
+          <p:spPr>
+            <a:xfrm>
+              <a:off x="7119983" y="3104420"/>
+              <a:ext cx="0" cy="392085"/>
+            </a:xfrm>
+            <a:custGeom>
+              <a:avLst/>
+              <a:pathLst>
+                <a:path w="0" h="392085">
+                  <a:moveTo>
+                    <a:pt x="0" y="0"/>
+                  </a:moveTo>
+                  <a:lnTo>
+                    <a:pt x="0" y="392085"/>
+                  </a:lnTo>
+                </a:path>
+              </a:pathLst>
+            </a:custGeom>
+            <a:ln w="27101" cap="flat">
+              <a:solidFill>
+                <a:srgbClr val="F8766D">
+                  <a:alpha val="100000"/>
+                </a:srgbClr>
+              </a:solidFill>
+              <a:prstDash val="solid"/>
+              <a:round/>
+            </a:ln>
+          </p:spPr>
+          <p:txBody>
+            <a:bodyPr/>
+            <a:lstStyle/>
+            <a:p/>
+          </p:txBody>
+        </p:sp>
+        <p:sp>
+          <p:nvSpPr>
+            <p:cNvPr id="53" name="pl53"/>
+            <p:cNvSpPr/>
+            <p:nvPr/>
+          </p:nvSpPr>
+          <p:spPr>
+            <a:xfrm>
+              <a:off x="6986504" y="3496506"/>
+              <a:ext cx="266958" cy="0"/>
+            </a:xfrm>
+            <a:custGeom>
+              <a:avLst/>
+              <a:pathLst>
+                <a:path w="266958" h="0">
+                  <a:moveTo>
+                    <a:pt x="0" y="0"/>
+                  </a:moveTo>
+                  <a:lnTo>
+                    <a:pt x="266958" y="0"/>
+                  </a:lnTo>
+                </a:path>
+              </a:pathLst>
+            </a:custGeom>
+            <a:ln w="27101" cap="flat">
+              <a:solidFill>
+                <a:srgbClr val="F8766D">
+                  <a:alpha val="100000"/>
+                </a:srgbClr>
+              </a:solidFill>
+              <a:prstDash val="solid"/>
+              <a:round/>
+            </a:ln>
+          </p:spPr>
+          <p:txBody>
+            <a:bodyPr/>
+            <a:lstStyle/>
+            <a:p/>
+          </p:txBody>
+        </p:sp>
+        <p:sp>
+          <p:nvSpPr>
+            <p:cNvPr id="54" name="pl54"/>
+            <p:cNvSpPr/>
+            <p:nvPr/>
+          </p:nvSpPr>
+          <p:spPr>
+            <a:xfrm>
+              <a:off x="6986504" y="2139431"/>
+              <a:ext cx="266958" cy="0"/>
+            </a:xfrm>
+            <a:custGeom>
+              <a:avLst/>
+              <a:pathLst>
+                <a:path w="266958" h="0">
+                  <a:moveTo>
+                    <a:pt x="0" y="0"/>
+                  </a:moveTo>
+                  <a:lnTo>
+                    <a:pt x="266958" y="0"/>
+                  </a:lnTo>
+                </a:path>
+              </a:pathLst>
+            </a:custGeom>
+            <a:ln w="27101" cap="flat">
+              <a:solidFill>
+                <a:srgbClr val="F8766D">
+                  <a:alpha val="100000"/>
+                </a:srgbClr>
+              </a:solidFill>
+              <a:prstDash val="solid"/>
+              <a:round/>
+            </a:ln>
+          </p:spPr>
+          <p:txBody>
+            <a:bodyPr/>
+            <a:lstStyle/>
+            <a:p/>
+          </p:txBody>
+        </p:sp>
+        <p:sp>
+          <p:nvSpPr>
+            <p:cNvPr id="55" name="pl55"/>
+            <p:cNvSpPr/>
+            <p:nvPr/>
+          </p:nvSpPr>
+          <p:spPr>
+            <a:xfrm>
+              <a:off x="7119983" y="2139431"/>
+              <a:ext cx="0" cy="503072"/>
+            </a:xfrm>
+            <a:custGeom>
+              <a:avLst/>
+              <a:pathLst>
+                <a:path w="0" h="503072">
+                  <a:moveTo>
+                    <a:pt x="0" y="0"/>
+                  </a:moveTo>
+                  <a:lnTo>
+                    <a:pt x="0" y="503072"/>
+                  </a:lnTo>
+                </a:path>
+              </a:pathLst>
+            </a:custGeom>
+            <a:ln w="27101" cap="flat">
+              <a:solidFill>
+                <a:srgbClr val="F8766D">
+                  <a:alpha val="100000"/>
+                </a:srgbClr>
+              </a:solidFill>
+              <a:prstDash val="solid"/>
+              <a:round/>
+            </a:ln>
+          </p:spPr>
+          <p:txBody>
+            <a:bodyPr/>
+            <a:lstStyle/>
+            <a:p/>
+          </p:txBody>
+        </p:sp>
+        <p:sp>
+          <p:nvSpPr>
+            <p:cNvPr id="56" name="pl56"/>
+            <p:cNvSpPr/>
+            <p:nvPr/>
+          </p:nvSpPr>
+          <p:spPr>
+            <a:xfrm>
+              <a:off x="6986504" y="2642504"/>
+              <a:ext cx="266958" cy="0"/>
+            </a:xfrm>
+            <a:custGeom>
+              <a:avLst/>
+              <a:pathLst>
+                <a:path w="266958" h="0">
+                  <a:moveTo>
+                    <a:pt x="0" y="0"/>
+                  </a:moveTo>
+                  <a:lnTo>
+                    <a:pt x="266958" y="0"/>
+                  </a:lnTo>
+                </a:path>
+              </a:pathLst>
+            </a:custGeom>
+            <a:ln w="27101" cap="flat">
+              <a:solidFill>
+                <a:srgbClr val="F8766D">
+                  <a:alpha val="100000"/>
+                </a:srgbClr>
+              </a:solidFill>
+              <a:prstDash val="solid"/>
+              <a:round/>
+            </a:ln>
+          </p:spPr>
+          <p:txBody>
+            <a:bodyPr/>
+            <a:lstStyle/>
+            <a:p/>
+          </p:txBody>
+        </p:sp>
+        <p:sp>
+          <p:nvSpPr>
+            <p:cNvPr id="57" name="pl57"/>
+            <p:cNvSpPr/>
+            <p:nvPr/>
+          </p:nvSpPr>
+          <p:spPr>
+            <a:xfrm>
+              <a:off x="2314731" y="3276568"/>
+              <a:ext cx="266958" cy="0"/>
+            </a:xfrm>
+            <a:custGeom>
+              <a:avLst/>
+              <a:pathLst>
+                <a:path w="266958" h="0">
+                  <a:moveTo>
+                    <a:pt x="0" y="0"/>
+                  </a:moveTo>
+                  <a:lnTo>
+                    <a:pt x="266958" y="0"/>
                   </a:lnTo>
                 </a:path>
               </a:pathLst>
@@ -3138,24 +4494,24 @@
         </p:sp>
         <p:sp>
           <p:nvSpPr>
-            <p:cNvPr id="25" name="pl25"/>
-            <p:cNvSpPr/>
-            <p:nvPr/>
-          </p:nvSpPr>
-          <p:spPr>
-            <a:xfrm>
-              <a:off x="2507261" y="2561932"/>
-              <a:ext cx="0" cy="1115060"/>
-            </a:xfrm>
-            <a:custGeom>
-              <a:avLst/>
-              <a:pathLst>
-                <a:path w="0" h="1115060">
-                  <a:moveTo>
-                    <a:pt x="0" y="0"/>
-                  </a:moveTo>
-                  <a:lnTo>
-                    <a:pt x="0" y="1115060"/>
+            <p:cNvPr id="58" name="pl58"/>
+            <p:cNvSpPr/>
+            <p:nvPr/>
+          </p:nvSpPr>
+          <p:spPr>
+            <a:xfrm>
+              <a:off x="2448210" y="3276568"/>
+              <a:ext cx="0" cy="1461175"/>
+            </a:xfrm>
+            <a:custGeom>
+              <a:avLst/>
+              <a:pathLst>
+                <a:path w="0" h="1461175">
+                  <a:moveTo>
+                    <a:pt x="0" y="0"/>
+                  </a:moveTo>
+                  <a:lnTo>
+                    <a:pt x="0" y="1461175"/>
                   </a:lnTo>
                 </a:path>
               </a:pathLst>
@@ -3178,24 +4534,24 @@
         </p:sp>
         <p:sp>
           <p:nvSpPr>
-            <p:cNvPr id="26" name="pl26"/>
-            <p:cNvSpPr/>
-            <p:nvPr/>
-          </p:nvSpPr>
-          <p:spPr>
-            <a:xfrm>
-              <a:off x="2374975" y="3676993"/>
-              <a:ext cx="264572" cy="0"/>
-            </a:xfrm>
-            <a:custGeom>
-              <a:avLst/>
-              <a:pathLst>
-                <a:path w="264572" h="0">
-                  <a:moveTo>
-                    <a:pt x="0" y="0"/>
-                  </a:moveTo>
-                  <a:lnTo>
-                    <a:pt x="264572" y="0"/>
+            <p:cNvPr id="59" name="pl59"/>
+            <p:cNvSpPr/>
+            <p:nvPr/>
+          </p:nvSpPr>
+          <p:spPr>
+            <a:xfrm>
+              <a:off x="2314731" y="4737744"/>
+              <a:ext cx="266958" cy="0"/>
+            </a:xfrm>
+            <a:custGeom>
+              <a:avLst/>
+              <a:pathLst>
+                <a:path w="266958" h="0">
+                  <a:moveTo>
+                    <a:pt x="0" y="0"/>
+                  </a:moveTo>
+                  <a:lnTo>
+                    <a:pt x="266958" y="0"/>
                   </a:lnTo>
                 </a:path>
               </a:pathLst>
@@ -3218,24 +4574,24 @@
         </p:sp>
         <p:sp>
           <p:nvSpPr>
-            <p:cNvPr id="27" name="pl27"/>
-            <p:cNvSpPr/>
-            <p:nvPr/>
-          </p:nvSpPr>
-          <p:spPr>
-            <a:xfrm>
-              <a:off x="5020700" y="4087331"/>
-              <a:ext cx="264572" cy="0"/>
-            </a:xfrm>
-            <a:custGeom>
-              <a:avLst/>
-              <a:pathLst>
-                <a:path w="264572" h="0">
-                  <a:moveTo>
-                    <a:pt x="0" y="0"/>
-                  </a:moveTo>
-                  <a:lnTo>
-                    <a:pt x="264572" y="0"/>
+            <p:cNvPr id="60" name="pl60"/>
+            <p:cNvSpPr/>
+            <p:nvPr/>
+          </p:nvSpPr>
+          <p:spPr>
+            <a:xfrm>
+              <a:off x="2314731" y="3848309"/>
+              <a:ext cx="266958" cy="0"/>
+            </a:xfrm>
+            <a:custGeom>
+              <a:avLst/>
+              <a:pathLst>
+                <a:path w="266958" h="0">
+                  <a:moveTo>
+                    <a:pt x="0" y="0"/>
+                  </a:moveTo>
+                  <a:lnTo>
+                    <a:pt x="266958" y="0"/>
                   </a:lnTo>
                 </a:path>
               </a:pathLst>
@@ -3258,24 +4614,24 @@
         </p:sp>
         <p:sp>
           <p:nvSpPr>
-            <p:cNvPr id="28" name="pl28"/>
-            <p:cNvSpPr/>
-            <p:nvPr/>
-          </p:nvSpPr>
-          <p:spPr>
-            <a:xfrm>
-              <a:off x="5152986" y="4087331"/>
-              <a:ext cx="0" cy="1173582"/>
-            </a:xfrm>
-            <a:custGeom>
-              <a:avLst/>
-              <a:pathLst>
-                <a:path w="0" h="1173582">
-                  <a:moveTo>
-                    <a:pt x="0" y="0"/>
-                  </a:moveTo>
-                  <a:lnTo>
-                    <a:pt x="0" y="1173582"/>
+            <p:cNvPr id="61" name="pl61"/>
+            <p:cNvSpPr/>
+            <p:nvPr/>
+          </p:nvSpPr>
+          <p:spPr>
+            <a:xfrm>
+              <a:off x="2448210" y="3848309"/>
+              <a:ext cx="0" cy="659648"/>
+            </a:xfrm>
+            <a:custGeom>
+              <a:avLst/>
+              <a:pathLst>
+                <a:path w="0" h="659648">
+                  <a:moveTo>
+                    <a:pt x="0" y="0"/>
+                  </a:moveTo>
+                  <a:lnTo>
+                    <a:pt x="0" y="659648"/>
                   </a:lnTo>
                 </a:path>
               </a:pathLst>
@@ -3298,24 +4654,24 @@
         </p:sp>
         <p:sp>
           <p:nvSpPr>
-            <p:cNvPr id="29" name="pl29"/>
-            <p:cNvSpPr/>
-            <p:nvPr/>
-          </p:nvSpPr>
-          <p:spPr>
-            <a:xfrm>
-              <a:off x="5020700" y="5260914"/>
-              <a:ext cx="264572" cy="0"/>
-            </a:xfrm>
-            <a:custGeom>
-              <a:avLst/>
-              <a:pathLst>
-                <a:path w="264572" h="0">
-                  <a:moveTo>
-                    <a:pt x="0" y="0"/>
-                  </a:moveTo>
-                  <a:lnTo>
-                    <a:pt x="264572" y="0"/>
+            <p:cNvPr id="62" name="pl62"/>
+            <p:cNvSpPr/>
+            <p:nvPr/>
+          </p:nvSpPr>
+          <p:spPr>
+            <a:xfrm>
+              <a:off x="2314731" y="4507957"/>
+              <a:ext cx="266958" cy="0"/>
+            </a:xfrm>
+            <a:custGeom>
+              <a:avLst/>
+              <a:pathLst>
+                <a:path w="266958" h="0">
+                  <a:moveTo>
+                    <a:pt x="0" y="0"/>
+                  </a:moveTo>
+                  <a:lnTo>
+                    <a:pt x="266958" y="0"/>
                   </a:lnTo>
                 </a:path>
               </a:pathLst>
@@ -3338,24 +4694,24 @@
         </p:sp>
         <p:sp>
           <p:nvSpPr>
-            <p:cNvPr id="30" name="pl30"/>
-            <p:cNvSpPr/>
-            <p:nvPr/>
-          </p:nvSpPr>
-          <p:spPr>
-            <a:xfrm>
-              <a:off x="7666426" y="4682755"/>
-              <a:ext cx="264572" cy="0"/>
-            </a:xfrm>
-            <a:custGeom>
-              <a:avLst/>
-              <a:pathLst>
-                <a:path w="264572" h="0">
-                  <a:moveTo>
-                    <a:pt x="0" y="0"/>
-                  </a:moveTo>
-                  <a:lnTo>
-                    <a:pt x="264572" y="0"/>
+            <p:cNvPr id="63" name="pl63"/>
+            <p:cNvSpPr/>
+            <p:nvPr/>
+          </p:nvSpPr>
+          <p:spPr>
+            <a:xfrm>
+              <a:off x="2314731" y="3015072"/>
+              <a:ext cx="266958" cy="0"/>
+            </a:xfrm>
+            <a:custGeom>
+              <a:avLst/>
+              <a:pathLst>
+                <a:path w="266958" h="0">
+                  <a:moveTo>
+                    <a:pt x="0" y="0"/>
+                  </a:moveTo>
+                  <a:lnTo>
+                    <a:pt x="266958" y="0"/>
                   </a:lnTo>
                 </a:path>
               </a:pathLst>
@@ -3378,24 +4734,24 @@
         </p:sp>
         <p:sp>
           <p:nvSpPr>
-            <p:cNvPr id="31" name="pl31"/>
-            <p:cNvSpPr/>
-            <p:nvPr/>
-          </p:nvSpPr>
-          <p:spPr>
-            <a:xfrm>
-              <a:off x="7798712" y="4682755"/>
-              <a:ext cx="0" cy="1411350"/>
-            </a:xfrm>
-            <a:custGeom>
-              <a:avLst/>
-              <a:pathLst>
-                <a:path w="0" h="1411350">
-                  <a:moveTo>
-                    <a:pt x="0" y="0"/>
-                  </a:moveTo>
-                  <a:lnTo>
-                    <a:pt x="0" y="1411350"/>
+            <p:cNvPr id="64" name="pl64"/>
+            <p:cNvSpPr/>
+            <p:nvPr/>
+          </p:nvSpPr>
+          <p:spPr>
+            <a:xfrm>
+              <a:off x="2448210" y="3015072"/>
+              <a:ext cx="0" cy="914352"/>
+            </a:xfrm>
+            <a:custGeom>
+              <a:avLst/>
+              <a:pathLst>
+                <a:path w="0" h="914352">
+                  <a:moveTo>
+                    <a:pt x="0" y="0"/>
+                  </a:moveTo>
+                  <a:lnTo>
+                    <a:pt x="0" y="914352"/>
                   </a:lnTo>
                 </a:path>
               </a:pathLst>
@@ -3418,24 +4774,24 @@
         </p:sp>
         <p:sp>
           <p:nvSpPr>
-            <p:cNvPr id="32" name="pl32"/>
-            <p:cNvSpPr/>
-            <p:nvPr/>
-          </p:nvSpPr>
-          <p:spPr>
-            <a:xfrm>
-              <a:off x="7666426" y="6094105"/>
-              <a:ext cx="264572" cy="0"/>
-            </a:xfrm>
-            <a:custGeom>
-              <a:avLst/>
-              <a:pathLst>
-                <a:path w="264572" h="0">
-                  <a:moveTo>
-                    <a:pt x="0" y="0"/>
-                  </a:moveTo>
-                  <a:lnTo>
-                    <a:pt x="264572" y="0"/>
+            <p:cNvPr id="65" name="pl65"/>
+            <p:cNvSpPr/>
+            <p:nvPr/>
+          </p:nvSpPr>
+          <p:spPr>
+            <a:xfrm>
+              <a:off x="2314731" y="3929425"/>
+              <a:ext cx="266958" cy="0"/>
+            </a:xfrm>
+            <a:custGeom>
+              <a:avLst/>
+              <a:pathLst>
+                <a:path w="266958" h="0">
+                  <a:moveTo>
+                    <a:pt x="0" y="0"/>
+                  </a:moveTo>
+                  <a:lnTo>
+                    <a:pt x="266958" y="0"/>
                   </a:lnTo>
                 </a:path>
               </a:pathLst>
@@ -3458,14 +4814,1094 @@
         </p:sp>
         <p:sp>
           <p:nvSpPr>
-            <p:cNvPr id="33" name="tx33"/>
-            <p:cNvSpPr/>
-            <p:nvPr/>
-          </p:nvSpPr>
-          <p:spPr>
-            <a:xfrm>
-              <a:off x="297542" y="5590335"/>
-              <a:ext cx="211856" cy="111397"/>
+            <p:cNvPr id="66" name="pl66"/>
+            <p:cNvSpPr/>
+            <p:nvPr/>
+          </p:nvSpPr>
+          <p:spPr>
+            <a:xfrm>
+              <a:off x="2314731" y="2493345"/>
+              <a:ext cx="266958" cy="0"/>
+            </a:xfrm>
+            <a:custGeom>
+              <a:avLst/>
+              <a:pathLst>
+                <a:path w="266958" h="0">
+                  <a:moveTo>
+                    <a:pt x="0" y="0"/>
+                  </a:moveTo>
+                  <a:lnTo>
+                    <a:pt x="266958" y="0"/>
+                  </a:lnTo>
+                </a:path>
+              </a:pathLst>
+            </a:custGeom>
+            <a:ln w="27101" cap="flat">
+              <a:solidFill>
+                <a:srgbClr val="00BFC4">
+                  <a:alpha val="100000"/>
+                </a:srgbClr>
+              </a:solidFill>
+              <a:prstDash val="solid"/>
+              <a:round/>
+            </a:ln>
+          </p:spPr>
+          <p:txBody>
+            <a:bodyPr/>
+            <a:lstStyle/>
+            <a:p/>
+          </p:txBody>
+        </p:sp>
+        <p:sp>
+          <p:nvSpPr>
+            <p:cNvPr id="67" name="pl67"/>
+            <p:cNvSpPr/>
+            <p:nvPr/>
+          </p:nvSpPr>
+          <p:spPr>
+            <a:xfrm>
+              <a:off x="2448210" y="2493345"/>
+              <a:ext cx="0" cy="882540"/>
+            </a:xfrm>
+            <a:custGeom>
+              <a:avLst/>
+              <a:pathLst>
+                <a:path w="0" h="882540">
+                  <a:moveTo>
+                    <a:pt x="0" y="0"/>
+                  </a:moveTo>
+                  <a:lnTo>
+                    <a:pt x="0" y="882540"/>
+                  </a:lnTo>
+                </a:path>
+              </a:pathLst>
+            </a:custGeom>
+            <a:ln w="27101" cap="flat">
+              <a:solidFill>
+                <a:srgbClr val="00BFC4">
+                  <a:alpha val="100000"/>
+                </a:srgbClr>
+              </a:solidFill>
+              <a:prstDash val="solid"/>
+              <a:round/>
+            </a:ln>
+          </p:spPr>
+          <p:txBody>
+            <a:bodyPr/>
+            <a:lstStyle/>
+            <a:p/>
+          </p:txBody>
+        </p:sp>
+        <p:sp>
+          <p:nvSpPr>
+            <p:cNvPr id="68" name="pl68"/>
+            <p:cNvSpPr/>
+            <p:nvPr/>
+          </p:nvSpPr>
+          <p:spPr>
+            <a:xfrm>
+              <a:off x="2314731" y="3375886"/>
+              <a:ext cx="266958" cy="0"/>
+            </a:xfrm>
+            <a:custGeom>
+              <a:avLst/>
+              <a:pathLst>
+                <a:path w="266958" h="0">
+                  <a:moveTo>
+                    <a:pt x="0" y="0"/>
+                  </a:moveTo>
+                  <a:lnTo>
+                    <a:pt x="266958" y="0"/>
+                  </a:lnTo>
+                </a:path>
+              </a:pathLst>
+            </a:custGeom>
+            <a:ln w="27101" cap="flat">
+              <a:solidFill>
+                <a:srgbClr val="00BFC4">
+                  <a:alpha val="100000"/>
+                </a:srgbClr>
+              </a:solidFill>
+              <a:prstDash val="solid"/>
+              <a:round/>
+            </a:ln>
+          </p:spPr>
+          <p:txBody>
+            <a:bodyPr/>
+            <a:lstStyle/>
+            <a:p/>
+          </p:txBody>
+        </p:sp>
+        <p:sp>
+          <p:nvSpPr>
+            <p:cNvPr id="69" name="pl69"/>
+            <p:cNvSpPr/>
+            <p:nvPr/>
+          </p:nvSpPr>
+          <p:spPr>
+            <a:xfrm>
+              <a:off x="4984315" y="4638131"/>
+              <a:ext cx="266958" cy="0"/>
+            </a:xfrm>
+            <a:custGeom>
+              <a:avLst/>
+              <a:pathLst>
+                <a:path w="266958" h="0">
+                  <a:moveTo>
+                    <a:pt x="0" y="0"/>
+                  </a:moveTo>
+                  <a:lnTo>
+                    <a:pt x="266958" y="0"/>
+                  </a:lnTo>
+                </a:path>
+              </a:pathLst>
+            </a:custGeom>
+            <a:ln w="27101" cap="flat">
+              <a:solidFill>
+                <a:srgbClr val="00BFC4">
+                  <a:alpha val="100000"/>
+                </a:srgbClr>
+              </a:solidFill>
+              <a:prstDash val="solid"/>
+              <a:round/>
+            </a:ln>
+          </p:spPr>
+          <p:txBody>
+            <a:bodyPr/>
+            <a:lstStyle/>
+            <a:p/>
+          </p:txBody>
+        </p:sp>
+        <p:sp>
+          <p:nvSpPr>
+            <p:cNvPr id="70" name="pl70"/>
+            <p:cNvSpPr/>
+            <p:nvPr/>
+          </p:nvSpPr>
+          <p:spPr>
+            <a:xfrm>
+              <a:off x="5117794" y="4638131"/>
+              <a:ext cx="0" cy="1051009"/>
+            </a:xfrm>
+            <a:custGeom>
+              <a:avLst/>
+              <a:pathLst>
+                <a:path w="0" h="1051009">
+                  <a:moveTo>
+                    <a:pt x="0" y="0"/>
+                  </a:moveTo>
+                  <a:lnTo>
+                    <a:pt x="0" y="1051009"/>
+                  </a:lnTo>
+                </a:path>
+              </a:pathLst>
+            </a:custGeom>
+            <a:ln w="27101" cap="flat">
+              <a:solidFill>
+                <a:srgbClr val="00BFC4">
+                  <a:alpha val="100000"/>
+                </a:srgbClr>
+              </a:solidFill>
+              <a:prstDash val="solid"/>
+              <a:round/>
+            </a:ln>
+          </p:spPr>
+          <p:txBody>
+            <a:bodyPr/>
+            <a:lstStyle/>
+            <a:p/>
+          </p:txBody>
+        </p:sp>
+        <p:sp>
+          <p:nvSpPr>
+            <p:cNvPr id="71" name="pl71"/>
+            <p:cNvSpPr/>
+            <p:nvPr/>
+          </p:nvSpPr>
+          <p:spPr>
+            <a:xfrm>
+              <a:off x="4984315" y="5689141"/>
+              <a:ext cx="266958" cy="0"/>
+            </a:xfrm>
+            <a:custGeom>
+              <a:avLst/>
+              <a:pathLst>
+                <a:path w="266958" h="0">
+                  <a:moveTo>
+                    <a:pt x="0" y="0"/>
+                  </a:moveTo>
+                  <a:lnTo>
+                    <a:pt x="266958" y="0"/>
+                  </a:lnTo>
+                </a:path>
+              </a:pathLst>
+            </a:custGeom>
+            <a:ln w="27101" cap="flat">
+              <a:solidFill>
+                <a:srgbClr val="00BFC4">
+                  <a:alpha val="100000"/>
+                </a:srgbClr>
+              </a:solidFill>
+              <a:prstDash val="solid"/>
+              <a:round/>
+            </a:ln>
+          </p:spPr>
+          <p:txBody>
+            <a:bodyPr/>
+            <a:lstStyle/>
+            <a:p/>
+          </p:txBody>
+        </p:sp>
+        <p:sp>
+          <p:nvSpPr>
+            <p:cNvPr id="72" name="pl72"/>
+            <p:cNvSpPr/>
+            <p:nvPr/>
+          </p:nvSpPr>
+          <p:spPr>
+            <a:xfrm>
+              <a:off x="4984315" y="3383298"/>
+              <a:ext cx="266958" cy="0"/>
+            </a:xfrm>
+            <a:custGeom>
+              <a:avLst/>
+              <a:pathLst>
+                <a:path w="266958" h="0">
+                  <a:moveTo>
+                    <a:pt x="0" y="0"/>
+                  </a:moveTo>
+                  <a:lnTo>
+                    <a:pt x="266958" y="0"/>
+                  </a:lnTo>
+                </a:path>
+              </a:pathLst>
+            </a:custGeom>
+            <a:ln w="27101" cap="flat">
+              <a:solidFill>
+                <a:srgbClr val="00BFC4">
+                  <a:alpha val="100000"/>
+                </a:srgbClr>
+              </a:solidFill>
+              <a:prstDash val="solid"/>
+              <a:round/>
+            </a:ln>
+          </p:spPr>
+          <p:txBody>
+            <a:bodyPr/>
+            <a:lstStyle/>
+            <a:p/>
+          </p:txBody>
+        </p:sp>
+        <p:sp>
+          <p:nvSpPr>
+            <p:cNvPr id="73" name="pl73"/>
+            <p:cNvSpPr/>
+            <p:nvPr/>
+          </p:nvSpPr>
+          <p:spPr>
+            <a:xfrm>
+              <a:off x="5117794" y="3383298"/>
+              <a:ext cx="0" cy="1128662"/>
+            </a:xfrm>
+            <a:custGeom>
+              <a:avLst/>
+              <a:pathLst>
+                <a:path w="0" h="1128662">
+                  <a:moveTo>
+                    <a:pt x="0" y="0"/>
+                  </a:moveTo>
+                  <a:lnTo>
+                    <a:pt x="0" y="1128662"/>
+                  </a:lnTo>
+                </a:path>
+              </a:pathLst>
+            </a:custGeom>
+            <a:ln w="27101" cap="flat">
+              <a:solidFill>
+                <a:srgbClr val="00BFC4">
+                  <a:alpha val="100000"/>
+                </a:srgbClr>
+              </a:solidFill>
+              <a:prstDash val="solid"/>
+              <a:round/>
+            </a:ln>
+          </p:spPr>
+          <p:txBody>
+            <a:bodyPr/>
+            <a:lstStyle/>
+            <a:p/>
+          </p:txBody>
+        </p:sp>
+        <p:sp>
+          <p:nvSpPr>
+            <p:cNvPr id="74" name="pl74"/>
+            <p:cNvSpPr/>
+            <p:nvPr/>
+          </p:nvSpPr>
+          <p:spPr>
+            <a:xfrm>
+              <a:off x="4984315" y="4511960"/>
+              <a:ext cx="266958" cy="0"/>
+            </a:xfrm>
+            <a:custGeom>
+              <a:avLst/>
+              <a:pathLst>
+                <a:path w="266958" h="0">
+                  <a:moveTo>
+                    <a:pt x="0" y="0"/>
+                  </a:moveTo>
+                  <a:lnTo>
+                    <a:pt x="266958" y="0"/>
+                  </a:lnTo>
+                </a:path>
+              </a:pathLst>
+            </a:custGeom>
+            <a:ln w="27101" cap="flat">
+              <a:solidFill>
+                <a:srgbClr val="00BFC4">
+                  <a:alpha val="100000"/>
+                </a:srgbClr>
+              </a:solidFill>
+              <a:prstDash val="solid"/>
+              <a:round/>
+            </a:ln>
+          </p:spPr>
+          <p:txBody>
+            <a:bodyPr/>
+            <a:lstStyle/>
+            <a:p/>
+          </p:txBody>
+        </p:sp>
+        <p:sp>
+          <p:nvSpPr>
+            <p:cNvPr id="75" name="pl75"/>
+            <p:cNvSpPr/>
+            <p:nvPr/>
+          </p:nvSpPr>
+          <p:spPr>
+            <a:xfrm>
+              <a:off x="4984315" y="4124499"/>
+              <a:ext cx="266958" cy="0"/>
+            </a:xfrm>
+            <a:custGeom>
+              <a:avLst/>
+              <a:pathLst>
+                <a:path w="266958" h="0">
+                  <a:moveTo>
+                    <a:pt x="0" y="0"/>
+                  </a:moveTo>
+                  <a:lnTo>
+                    <a:pt x="266958" y="0"/>
+                  </a:lnTo>
+                </a:path>
+              </a:pathLst>
+            </a:custGeom>
+            <a:ln w="27101" cap="flat">
+              <a:solidFill>
+                <a:srgbClr val="00BFC4">
+                  <a:alpha val="100000"/>
+                </a:srgbClr>
+              </a:solidFill>
+              <a:prstDash val="solid"/>
+              <a:round/>
+            </a:ln>
+          </p:spPr>
+          <p:txBody>
+            <a:bodyPr/>
+            <a:lstStyle/>
+            <a:p/>
+          </p:txBody>
+        </p:sp>
+        <p:sp>
+          <p:nvSpPr>
+            <p:cNvPr id="76" name="pl76"/>
+            <p:cNvSpPr/>
+            <p:nvPr/>
+          </p:nvSpPr>
+          <p:spPr>
+            <a:xfrm>
+              <a:off x="5117794" y="4124499"/>
+              <a:ext cx="0" cy="634151"/>
+            </a:xfrm>
+            <a:custGeom>
+              <a:avLst/>
+              <a:pathLst>
+                <a:path w="0" h="634151">
+                  <a:moveTo>
+                    <a:pt x="0" y="0"/>
+                  </a:moveTo>
+                  <a:lnTo>
+                    <a:pt x="0" y="634151"/>
+                  </a:lnTo>
+                </a:path>
+              </a:pathLst>
+            </a:custGeom>
+            <a:ln w="27101" cap="flat">
+              <a:solidFill>
+                <a:srgbClr val="00BFC4">
+                  <a:alpha val="100000"/>
+                </a:srgbClr>
+              </a:solidFill>
+              <a:prstDash val="solid"/>
+              <a:round/>
+            </a:ln>
+          </p:spPr>
+          <p:txBody>
+            <a:bodyPr/>
+            <a:lstStyle/>
+            <a:p/>
+          </p:txBody>
+        </p:sp>
+        <p:sp>
+          <p:nvSpPr>
+            <p:cNvPr id="77" name="pl77"/>
+            <p:cNvSpPr/>
+            <p:nvPr/>
+          </p:nvSpPr>
+          <p:spPr>
+            <a:xfrm>
+              <a:off x="4984315" y="4758651"/>
+              <a:ext cx="266958" cy="0"/>
+            </a:xfrm>
+            <a:custGeom>
+              <a:avLst/>
+              <a:pathLst>
+                <a:path w="266958" h="0">
+                  <a:moveTo>
+                    <a:pt x="0" y="0"/>
+                  </a:moveTo>
+                  <a:lnTo>
+                    <a:pt x="266958" y="0"/>
+                  </a:lnTo>
+                </a:path>
+              </a:pathLst>
+            </a:custGeom>
+            <a:ln w="27101" cap="flat">
+              <a:solidFill>
+                <a:srgbClr val="00BFC4">
+                  <a:alpha val="100000"/>
+                </a:srgbClr>
+              </a:solidFill>
+              <a:prstDash val="solid"/>
+              <a:round/>
+            </a:ln>
+          </p:spPr>
+          <p:txBody>
+            <a:bodyPr/>
+            <a:lstStyle/>
+            <a:p/>
+          </p:txBody>
+        </p:sp>
+        <p:sp>
+          <p:nvSpPr>
+            <p:cNvPr id="78" name="pl78"/>
+            <p:cNvSpPr/>
+            <p:nvPr/>
+          </p:nvSpPr>
+          <p:spPr>
+            <a:xfrm>
+              <a:off x="4984315" y="3262093"/>
+              <a:ext cx="266958" cy="0"/>
+            </a:xfrm>
+            <a:custGeom>
+              <a:avLst/>
+              <a:pathLst>
+                <a:path w="266958" h="0">
+                  <a:moveTo>
+                    <a:pt x="0" y="0"/>
+                  </a:moveTo>
+                  <a:lnTo>
+                    <a:pt x="266958" y="0"/>
+                  </a:lnTo>
+                </a:path>
+              </a:pathLst>
+            </a:custGeom>
+            <a:ln w="27101" cap="flat">
+              <a:solidFill>
+                <a:srgbClr val="00BFC4">
+                  <a:alpha val="100000"/>
+                </a:srgbClr>
+              </a:solidFill>
+              <a:prstDash val="solid"/>
+              <a:round/>
+            </a:ln>
+          </p:spPr>
+          <p:txBody>
+            <a:bodyPr/>
+            <a:lstStyle/>
+            <a:p/>
+          </p:txBody>
+        </p:sp>
+        <p:sp>
+          <p:nvSpPr>
+            <p:cNvPr id="79" name="pl79"/>
+            <p:cNvSpPr/>
+            <p:nvPr/>
+          </p:nvSpPr>
+          <p:spPr>
+            <a:xfrm>
+              <a:off x="5117794" y="3262093"/>
+              <a:ext cx="0" cy="1420379"/>
+            </a:xfrm>
+            <a:custGeom>
+              <a:avLst/>
+              <a:pathLst>
+                <a:path w="0" h="1420379">
+                  <a:moveTo>
+                    <a:pt x="0" y="0"/>
+                  </a:moveTo>
+                  <a:lnTo>
+                    <a:pt x="0" y="1420379"/>
+                  </a:lnTo>
+                </a:path>
+              </a:pathLst>
+            </a:custGeom>
+            <a:ln w="27101" cap="flat">
+              <a:solidFill>
+                <a:srgbClr val="00BFC4">
+                  <a:alpha val="100000"/>
+                </a:srgbClr>
+              </a:solidFill>
+              <a:prstDash val="solid"/>
+              <a:round/>
+            </a:ln>
+          </p:spPr>
+          <p:txBody>
+            <a:bodyPr/>
+            <a:lstStyle/>
+            <a:p/>
+          </p:txBody>
+        </p:sp>
+        <p:sp>
+          <p:nvSpPr>
+            <p:cNvPr id="80" name="pl80"/>
+            <p:cNvSpPr/>
+            <p:nvPr/>
+          </p:nvSpPr>
+          <p:spPr>
+            <a:xfrm>
+              <a:off x="4984315" y="4682472"/>
+              <a:ext cx="266958" cy="0"/>
+            </a:xfrm>
+            <a:custGeom>
+              <a:avLst/>
+              <a:pathLst>
+                <a:path w="266958" h="0">
+                  <a:moveTo>
+                    <a:pt x="0" y="0"/>
+                  </a:moveTo>
+                  <a:lnTo>
+                    <a:pt x="266958" y="0"/>
+                  </a:lnTo>
+                </a:path>
+              </a:pathLst>
+            </a:custGeom>
+            <a:ln w="27101" cap="flat">
+              <a:solidFill>
+                <a:srgbClr val="00BFC4">
+                  <a:alpha val="100000"/>
+                </a:srgbClr>
+              </a:solidFill>
+              <a:prstDash val="solid"/>
+              <a:round/>
+            </a:ln>
+          </p:spPr>
+          <p:txBody>
+            <a:bodyPr/>
+            <a:lstStyle/>
+            <a:p/>
+          </p:txBody>
+        </p:sp>
+        <p:sp>
+          <p:nvSpPr>
+            <p:cNvPr id="81" name="pl81"/>
+            <p:cNvSpPr/>
+            <p:nvPr/>
+          </p:nvSpPr>
+          <p:spPr>
+            <a:xfrm>
+              <a:off x="7653900" y="3968160"/>
+              <a:ext cx="266958" cy="0"/>
+            </a:xfrm>
+            <a:custGeom>
+              <a:avLst/>
+              <a:pathLst>
+                <a:path w="266958" h="0">
+                  <a:moveTo>
+                    <a:pt x="0" y="0"/>
+                  </a:moveTo>
+                  <a:lnTo>
+                    <a:pt x="266958" y="0"/>
+                  </a:lnTo>
+                </a:path>
+              </a:pathLst>
+            </a:custGeom>
+            <a:ln w="27101" cap="flat">
+              <a:solidFill>
+                <a:srgbClr val="00BFC4">
+                  <a:alpha val="100000"/>
+                </a:srgbClr>
+              </a:solidFill>
+              <a:prstDash val="solid"/>
+              <a:round/>
+            </a:ln>
+          </p:spPr>
+          <p:txBody>
+            <a:bodyPr/>
+            <a:lstStyle/>
+            <a:p/>
+          </p:txBody>
+        </p:sp>
+        <p:sp>
+          <p:nvSpPr>
+            <p:cNvPr id="82" name="pl82"/>
+            <p:cNvSpPr/>
+            <p:nvPr/>
+          </p:nvSpPr>
+          <p:spPr>
+            <a:xfrm>
+              <a:off x="7787379" y="3968160"/>
+              <a:ext cx="0" cy="2125944"/>
+            </a:xfrm>
+            <a:custGeom>
+              <a:avLst/>
+              <a:pathLst>
+                <a:path w="0" h="2125944">
+                  <a:moveTo>
+                    <a:pt x="0" y="0"/>
+                  </a:moveTo>
+                  <a:lnTo>
+                    <a:pt x="0" y="2125944"/>
+                  </a:lnTo>
+                </a:path>
+              </a:pathLst>
+            </a:custGeom>
+            <a:ln w="27101" cap="flat">
+              <a:solidFill>
+                <a:srgbClr val="00BFC4">
+                  <a:alpha val="100000"/>
+                </a:srgbClr>
+              </a:solidFill>
+              <a:prstDash val="solid"/>
+              <a:round/>
+            </a:ln>
+          </p:spPr>
+          <p:txBody>
+            <a:bodyPr/>
+            <a:lstStyle/>
+            <a:p/>
+          </p:txBody>
+        </p:sp>
+        <p:sp>
+          <p:nvSpPr>
+            <p:cNvPr id="83" name="pl83"/>
+            <p:cNvSpPr/>
+            <p:nvPr/>
+          </p:nvSpPr>
+          <p:spPr>
+            <a:xfrm>
+              <a:off x="7653900" y="6094105"/>
+              <a:ext cx="266958" cy="0"/>
+            </a:xfrm>
+            <a:custGeom>
+              <a:avLst/>
+              <a:pathLst>
+                <a:path w="266958" h="0">
+                  <a:moveTo>
+                    <a:pt x="0" y="0"/>
+                  </a:moveTo>
+                  <a:lnTo>
+                    <a:pt x="266958" y="0"/>
+                  </a:lnTo>
+                </a:path>
+              </a:pathLst>
+            </a:custGeom>
+            <a:ln w="27101" cap="flat">
+              <a:solidFill>
+                <a:srgbClr val="00BFC4">
+                  <a:alpha val="100000"/>
+                </a:srgbClr>
+              </a:solidFill>
+              <a:prstDash val="solid"/>
+              <a:round/>
+            </a:ln>
+          </p:spPr>
+          <p:txBody>
+            <a:bodyPr/>
+            <a:lstStyle/>
+            <a:p/>
+          </p:txBody>
+        </p:sp>
+        <p:sp>
+          <p:nvSpPr>
+            <p:cNvPr id="84" name="pl84"/>
+            <p:cNvSpPr/>
+            <p:nvPr/>
+          </p:nvSpPr>
+          <p:spPr>
+            <a:xfrm>
+              <a:off x="7653900" y="3776533"/>
+              <a:ext cx="266958" cy="0"/>
+            </a:xfrm>
+            <a:custGeom>
+              <a:avLst/>
+              <a:pathLst>
+                <a:path w="266958" h="0">
+                  <a:moveTo>
+                    <a:pt x="0" y="0"/>
+                  </a:moveTo>
+                  <a:lnTo>
+                    <a:pt x="266958" y="0"/>
+                  </a:lnTo>
+                </a:path>
+              </a:pathLst>
+            </a:custGeom>
+            <a:ln w="27101" cap="flat">
+              <a:solidFill>
+                <a:srgbClr val="00BFC4">
+                  <a:alpha val="100000"/>
+                </a:srgbClr>
+              </a:solidFill>
+              <a:prstDash val="solid"/>
+              <a:round/>
+            </a:ln>
+          </p:spPr>
+          <p:txBody>
+            <a:bodyPr/>
+            <a:lstStyle/>
+            <a:p/>
+          </p:txBody>
+        </p:sp>
+        <p:sp>
+          <p:nvSpPr>
+            <p:cNvPr id="85" name="pl85"/>
+            <p:cNvSpPr/>
+            <p:nvPr/>
+          </p:nvSpPr>
+          <p:spPr>
+            <a:xfrm>
+              <a:off x="7787379" y="3776533"/>
+              <a:ext cx="0" cy="230735"/>
+            </a:xfrm>
+            <a:custGeom>
+              <a:avLst/>
+              <a:pathLst>
+                <a:path w="0" h="230735">
+                  <a:moveTo>
+                    <a:pt x="0" y="0"/>
+                  </a:moveTo>
+                  <a:lnTo>
+                    <a:pt x="0" y="230735"/>
+                  </a:lnTo>
+                </a:path>
+              </a:pathLst>
+            </a:custGeom>
+            <a:ln w="27101" cap="flat">
+              <a:solidFill>
+                <a:srgbClr val="00BFC4">
+                  <a:alpha val="100000"/>
+                </a:srgbClr>
+              </a:solidFill>
+              <a:prstDash val="solid"/>
+              <a:round/>
+            </a:ln>
+          </p:spPr>
+          <p:txBody>
+            <a:bodyPr/>
+            <a:lstStyle/>
+            <a:p/>
+          </p:txBody>
+        </p:sp>
+        <p:sp>
+          <p:nvSpPr>
+            <p:cNvPr id="86" name="pl86"/>
+            <p:cNvSpPr/>
+            <p:nvPr/>
+          </p:nvSpPr>
+          <p:spPr>
+            <a:xfrm>
+              <a:off x="7653900" y="4007269"/>
+              <a:ext cx="266958" cy="0"/>
+            </a:xfrm>
+            <a:custGeom>
+              <a:avLst/>
+              <a:pathLst>
+                <a:path w="266958" h="0">
+                  <a:moveTo>
+                    <a:pt x="0" y="0"/>
+                  </a:moveTo>
+                  <a:lnTo>
+                    <a:pt x="266958" y="0"/>
+                  </a:lnTo>
+                </a:path>
+              </a:pathLst>
+            </a:custGeom>
+            <a:ln w="27101" cap="flat">
+              <a:solidFill>
+                <a:srgbClr val="00BFC4">
+                  <a:alpha val="100000"/>
+                </a:srgbClr>
+              </a:solidFill>
+              <a:prstDash val="solid"/>
+              <a:round/>
+            </a:ln>
+          </p:spPr>
+          <p:txBody>
+            <a:bodyPr/>
+            <a:lstStyle/>
+            <a:p/>
+          </p:txBody>
+        </p:sp>
+        <p:sp>
+          <p:nvSpPr>
+            <p:cNvPr id="87" name="pl87"/>
+            <p:cNvSpPr/>
+            <p:nvPr/>
+          </p:nvSpPr>
+          <p:spPr>
+            <a:xfrm>
+              <a:off x="7653900" y="4175231"/>
+              <a:ext cx="266958" cy="0"/>
+            </a:xfrm>
+            <a:custGeom>
+              <a:avLst/>
+              <a:pathLst>
+                <a:path w="266958" h="0">
+                  <a:moveTo>
+                    <a:pt x="0" y="0"/>
+                  </a:moveTo>
+                  <a:lnTo>
+                    <a:pt x="266958" y="0"/>
+                  </a:lnTo>
+                </a:path>
+              </a:pathLst>
+            </a:custGeom>
+            <a:ln w="27101" cap="flat">
+              <a:solidFill>
+                <a:srgbClr val="00BFC4">
+                  <a:alpha val="100000"/>
+                </a:srgbClr>
+              </a:solidFill>
+              <a:prstDash val="solid"/>
+              <a:round/>
+            </a:ln>
+          </p:spPr>
+          <p:txBody>
+            <a:bodyPr/>
+            <a:lstStyle/>
+            <a:p/>
+          </p:txBody>
+        </p:sp>
+        <p:sp>
+          <p:nvSpPr>
+            <p:cNvPr id="88" name="pl88"/>
+            <p:cNvSpPr/>
+            <p:nvPr/>
+          </p:nvSpPr>
+          <p:spPr>
+            <a:xfrm>
+              <a:off x="7787379" y="4175231"/>
+              <a:ext cx="0" cy="989471"/>
+            </a:xfrm>
+            <a:custGeom>
+              <a:avLst/>
+              <a:pathLst>
+                <a:path w="0" h="989471">
+                  <a:moveTo>
+                    <a:pt x="0" y="0"/>
+                  </a:moveTo>
+                  <a:lnTo>
+                    <a:pt x="0" y="989471"/>
+                  </a:lnTo>
+                </a:path>
+              </a:pathLst>
+            </a:custGeom>
+            <a:ln w="27101" cap="flat">
+              <a:solidFill>
+                <a:srgbClr val="00BFC4">
+                  <a:alpha val="100000"/>
+                </a:srgbClr>
+              </a:solidFill>
+              <a:prstDash val="solid"/>
+              <a:round/>
+            </a:ln>
+          </p:spPr>
+          <p:txBody>
+            <a:bodyPr/>
+            <a:lstStyle/>
+            <a:p/>
+          </p:txBody>
+        </p:sp>
+        <p:sp>
+          <p:nvSpPr>
+            <p:cNvPr id="89" name="pl89"/>
+            <p:cNvSpPr/>
+            <p:nvPr/>
+          </p:nvSpPr>
+          <p:spPr>
+            <a:xfrm>
+              <a:off x="7653900" y="5164702"/>
+              <a:ext cx="266958" cy="0"/>
+            </a:xfrm>
+            <a:custGeom>
+              <a:avLst/>
+              <a:pathLst>
+                <a:path w="266958" h="0">
+                  <a:moveTo>
+                    <a:pt x="0" y="0"/>
+                  </a:moveTo>
+                  <a:lnTo>
+                    <a:pt x="266958" y="0"/>
+                  </a:lnTo>
+                </a:path>
+              </a:pathLst>
+            </a:custGeom>
+            <a:ln w="27101" cap="flat">
+              <a:solidFill>
+                <a:srgbClr val="00BFC4">
+                  <a:alpha val="100000"/>
+                </a:srgbClr>
+              </a:solidFill>
+              <a:prstDash val="solid"/>
+              <a:round/>
+            </a:ln>
+          </p:spPr>
+          <p:txBody>
+            <a:bodyPr/>
+            <a:lstStyle/>
+            <a:p/>
+          </p:txBody>
+        </p:sp>
+        <p:sp>
+          <p:nvSpPr>
+            <p:cNvPr id="90" name="pl90"/>
+            <p:cNvSpPr/>
+            <p:nvPr/>
+          </p:nvSpPr>
+          <p:spPr>
+            <a:xfrm>
+              <a:off x="7653900" y="4572701"/>
+              <a:ext cx="266958" cy="0"/>
+            </a:xfrm>
+            <a:custGeom>
+              <a:avLst/>
+              <a:pathLst>
+                <a:path w="266958" h="0">
+                  <a:moveTo>
+                    <a:pt x="0" y="0"/>
+                  </a:moveTo>
+                  <a:lnTo>
+                    <a:pt x="266958" y="0"/>
+                  </a:lnTo>
+                </a:path>
+              </a:pathLst>
+            </a:custGeom>
+            <a:ln w="27101" cap="flat">
+              <a:solidFill>
+                <a:srgbClr val="00BFC4">
+                  <a:alpha val="100000"/>
+                </a:srgbClr>
+              </a:solidFill>
+              <a:prstDash val="solid"/>
+              <a:round/>
+            </a:ln>
+          </p:spPr>
+          <p:txBody>
+            <a:bodyPr/>
+            <a:lstStyle/>
+            <a:p/>
+          </p:txBody>
+        </p:sp>
+        <p:sp>
+          <p:nvSpPr>
+            <p:cNvPr id="91" name="pl91"/>
+            <p:cNvSpPr/>
+            <p:nvPr/>
+          </p:nvSpPr>
+          <p:spPr>
+            <a:xfrm>
+              <a:off x="7787379" y="4572701"/>
+              <a:ext cx="0" cy="1414019"/>
+            </a:xfrm>
+            <a:custGeom>
+              <a:avLst/>
+              <a:pathLst>
+                <a:path w="0" h="1414019">
+                  <a:moveTo>
+                    <a:pt x="0" y="0"/>
+                  </a:moveTo>
+                  <a:lnTo>
+                    <a:pt x="0" y="1414019"/>
+                  </a:lnTo>
+                </a:path>
+              </a:pathLst>
+            </a:custGeom>
+            <a:ln w="27101" cap="flat">
+              <a:solidFill>
+                <a:srgbClr val="00BFC4">
+                  <a:alpha val="100000"/>
+                </a:srgbClr>
+              </a:solidFill>
+              <a:prstDash val="solid"/>
+              <a:round/>
+            </a:ln>
+          </p:spPr>
+          <p:txBody>
+            <a:bodyPr/>
+            <a:lstStyle/>
+            <a:p/>
+          </p:txBody>
+        </p:sp>
+        <p:sp>
+          <p:nvSpPr>
+            <p:cNvPr id="92" name="pl92"/>
+            <p:cNvSpPr/>
+            <p:nvPr/>
+          </p:nvSpPr>
+          <p:spPr>
+            <a:xfrm>
+              <a:off x="7653900" y="5986721"/>
+              <a:ext cx="266958" cy="0"/>
+            </a:xfrm>
+            <a:custGeom>
+              <a:avLst/>
+              <a:pathLst>
+                <a:path w="266958" h="0">
+                  <a:moveTo>
+                    <a:pt x="0" y="0"/>
+                  </a:moveTo>
+                  <a:lnTo>
+                    <a:pt x="266958" y="0"/>
+                  </a:lnTo>
+                </a:path>
+              </a:pathLst>
+            </a:custGeom>
+            <a:ln w="27101" cap="flat">
+              <a:solidFill>
+                <a:srgbClr val="00BFC4">
+                  <a:alpha val="100000"/>
+                </a:srgbClr>
+              </a:solidFill>
+              <a:prstDash val="solid"/>
+              <a:round/>
+            </a:ln>
+          </p:spPr>
+          <p:txBody>
+            <a:bodyPr/>
+            <a:lstStyle/>
+            <a:p/>
+          </p:txBody>
+        </p:sp>
+        <p:sp>
+          <p:nvSpPr>
+            <p:cNvPr id="93" name="tx93"/>
+            <p:cNvSpPr/>
+            <p:nvPr/>
+          </p:nvSpPr>
+          <p:spPr>
+            <a:xfrm>
+              <a:off x="297542" y="6086508"/>
+              <a:ext cx="135508" cy="109537"/>
             </a:xfrm>
             <a:prstGeom prst="rect">
               <a:avLst/>
@@ -3497,21 +5933,21 @@
                   <a:latin typeface="Arial"/>
                   <a:cs typeface="Arial"/>
                 </a:rPr>
-                <a:t>0.0</a:t>
+                <a:t>-1</a:t>
               </a:r>
             </a:p>
           </p:txBody>
         </p:sp>
         <p:sp>
           <p:nvSpPr>
-            <p:cNvPr id="34" name="tx34"/>
-            <p:cNvSpPr/>
-            <p:nvPr/>
-          </p:nvSpPr>
-          <p:spPr>
-            <a:xfrm>
-              <a:off x="297542" y="4210812"/>
-              <a:ext cx="211856" cy="111397"/>
+            <p:cNvPr id="94" name="tx94"/>
+            <p:cNvSpPr/>
+            <p:nvPr/>
+          </p:nvSpPr>
+          <p:spPr>
+            <a:xfrm>
+              <a:off x="348292" y="4783366"/>
+              <a:ext cx="84757" cy="111397"/>
             </a:xfrm>
             <a:prstGeom prst="rect">
               <a:avLst/>
@@ -3543,21 +5979,21 @@
                   <a:latin typeface="Arial"/>
                   <a:cs typeface="Arial"/>
                 </a:rPr>
-                <a:t>0.5</a:t>
+                <a:t>0</a:t>
               </a:r>
             </a:p>
           </p:txBody>
         </p:sp>
         <p:sp>
           <p:nvSpPr>
-            <p:cNvPr id="35" name="tx35"/>
-            <p:cNvSpPr/>
-            <p:nvPr/>
-          </p:nvSpPr>
-          <p:spPr>
-            <a:xfrm>
-              <a:off x="297542" y="2831288"/>
-              <a:ext cx="211856" cy="111397"/>
+            <p:cNvPr id="95" name="tx95"/>
+            <p:cNvSpPr/>
+            <p:nvPr/>
+          </p:nvSpPr>
+          <p:spPr>
+            <a:xfrm>
+              <a:off x="348292" y="3483945"/>
+              <a:ext cx="84757" cy="109537"/>
             </a:xfrm>
             <a:prstGeom prst="rect">
               <a:avLst/>
@@ -3589,21 +6025,21 @@
                   <a:latin typeface="Arial"/>
                   <a:cs typeface="Arial"/>
                 </a:rPr>
-                <a:t>1.0</a:t>
+                <a:t>1</a:t>
               </a:r>
             </a:p>
           </p:txBody>
         </p:sp>
         <p:sp>
           <p:nvSpPr>
-            <p:cNvPr id="36" name="tx36"/>
-            <p:cNvSpPr/>
-            <p:nvPr/>
-          </p:nvSpPr>
-          <p:spPr>
-            <a:xfrm>
-              <a:off x="297542" y="1451764"/>
-              <a:ext cx="211856" cy="111397"/>
+            <p:cNvPr id="96" name="tx96"/>
+            <p:cNvSpPr/>
+            <p:nvPr/>
+          </p:nvSpPr>
+          <p:spPr>
+            <a:xfrm>
+              <a:off x="348292" y="2182663"/>
+              <a:ext cx="84757" cy="109537"/>
             </a:xfrm>
             <a:prstGeom prst="rect">
               <a:avLst/>
@@ -3635,20 +6071,20 @@
                   <a:latin typeface="Arial"/>
                   <a:cs typeface="Arial"/>
                 </a:rPr>
-                <a:t>1.5</a:t>
+                <a:t>2</a:t>
               </a:r>
             </a:p>
           </p:txBody>
         </p:sp>
         <p:sp>
           <p:nvSpPr>
-            <p:cNvPr id="37" name="tx37"/>
-            <p:cNvSpPr/>
-            <p:nvPr/>
-          </p:nvSpPr>
-          <p:spPr>
-            <a:xfrm>
-              <a:off x="2079137" y="6418847"/>
+            <p:cNvPr id="97" name="tx97"/>
+            <p:cNvSpPr/>
+            <p:nvPr/>
+          </p:nvSpPr>
+          <p:spPr>
+            <a:xfrm>
+              <a:off x="2017104" y="6418847"/>
               <a:ext cx="194816" cy="109537"/>
             </a:xfrm>
             <a:prstGeom prst="rect">
@@ -3688,13 +6124,13 @@
         </p:sp>
         <p:sp>
           <p:nvSpPr>
-            <p:cNvPr id="38" name="tx38"/>
-            <p:cNvSpPr/>
-            <p:nvPr/>
-          </p:nvSpPr>
-          <p:spPr>
-            <a:xfrm>
-              <a:off x="4724863" y="6418847"/>
+            <p:cNvPr id="98" name="tx98"/>
+            <p:cNvSpPr/>
+            <p:nvPr/>
+          </p:nvSpPr>
+          <p:spPr>
+            <a:xfrm>
+              <a:off x="4686688" y="6418847"/>
               <a:ext cx="194816" cy="109537"/>
             </a:xfrm>
             <a:prstGeom prst="rect">
@@ -3734,13 +6170,13 @@
         </p:sp>
         <p:sp>
           <p:nvSpPr>
-            <p:cNvPr id="39" name="tx39"/>
-            <p:cNvSpPr/>
-            <p:nvPr/>
-          </p:nvSpPr>
-          <p:spPr>
-            <a:xfrm>
-              <a:off x="7370588" y="6416912"/>
+            <p:cNvPr id="99" name="tx99"/>
+            <p:cNvSpPr/>
+            <p:nvPr/>
+          </p:nvSpPr>
+          <p:spPr>
+            <a:xfrm>
+              <a:off x="7356273" y="6416912"/>
               <a:ext cx="194816" cy="111472"/>
             </a:xfrm>
             <a:prstGeom prst="rect">
@@ -3780,13 +6216,13 @@
         </p:sp>
         <p:sp>
           <p:nvSpPr>
-            <p:cNvPr id="40" name="tx40"/>
-            <p:cNvSpPr/>
-            <p:nvPr/>
-          </p:nvSpPr>
-          <p:spPr>
-            <a:xfrm>
-              <a:off x="4659186" y="6567323"/>
+            <p:cNvPr id="100" name="tx100"/>
+            <p:cNvSpPr/>
+            <p:nvPr/>
+          </p:nvSpPr>
+          <p:spPr>
+            <a:xfrm>
+              <a:off x="4621012" y="6567323"/>
               <a:ext cx="326169" cy="164690"/>
             </a:xfrm>
             <a:prstGeom prst="rect">
@@ -3826,7 +6262,7 @@
         </p:sp>
         <p:sp>
           <p:nvSpPr>
-            <p:cNvPr id="41" name="tx41"/>
+            <p:cNvPr id="101" name="tx101"/>
             <p:cNvSpPr/>
             <p:nvPr/>
           </p:nvSpPr>
@@ -3872,13 +6308,13 @@
         </p:sp>
         <p:sp>
           <p:nvSpPr>
-            <p:cNvPr id="42" name="tx42"/>
-            <p:cNvSpPr/>
-            <p:nvPr/>
-          </p:nvSpPr>
-          <p:spPr>
-            <a:xfrm>
-              <a:off x="3346260" y="460424"/>
+            <p:cNvPr id="102" name="tx102"/>
+            <p:cNvSpPr/>
+            <p:nvPr/>
+          </p:nvSpPr>
+          <p:spPr>
+            <a:xfrm>
+              <a:off x="3308085" y="460424"/>
               <a:ext cx="819980" cy="166861"/>
             </a:xfrm>
             <a:prstGeom prst="rect">
@@ -3918,13 +6354,13 @@
         </p:sp>
         <p:sp>
           <p:nvSpPr>
-            <p:cNvPr id="43" name="pl43"/>
-            <p:cNvSpPr/>
-            <p:nvPr/>
-          </p:nvSpPr>
-          <p:spPr>
-            <a:xfrm>
-              <a:off x="4276754" y="563649"/>
+            <p:cNvPr id="103" name="pl103"/>
+            <p:cNvSpPr/>
+            <p:nvPr/>
+          </p:nvSpPr>
+          <p:spPr>
+            <a:xfrm>
+              <a:off x="4238580" y="563649"/>
               <a:ext cx="175564" cy="0"/>
             </a:xfrm>
             <a:custGeom>
@@ -3958,13 +6394,13 @@
         </p:sp>
         <p:sp>
           <p:nvSpPr>
-            <p:cNvPr id="44" name="pl44"/>
-            <p:cNvSpPr/>
-            <p:nvPr/>
-          </p:nvSpPr>
-          <p:spPr>
-            <a:xfrm>
-              <a:off x="4276754" y="563649"/>
+            <p:cNvPr id="104" name="pl104"/>
+            <p:cNvSpPr/>
+            <p:nvPr/>
+          </p:nvSpPr>
+          <p:spPr>
+            <a:xfrm>
+              <a:off x="4238580" y="563649"/>
               <a:ext cx="175564" cy="0"/>
             </a:xfrm>
             <a:custGeom>
@@ -3998,13 +6434,13 @@
         </p:sp>
         <p:sp>
           <p:nvSpPr>
-            <p:cNvPr id="45" name="pl45"/>
-            <p:cNvSpPr/>
-            <p:nvPr/>
-          </p:nvSpPr>
-          <p:spPr>
-            <a:xfrm>
-              <a:off x="5376708" y="563649"/>
+            <p:cNvPr id="105" name="pl105"/>
+            <p:cNvSpPr/>
+            <p:nvPr/>
+          </p:nvSpPr>
+          <p:spPr>
+            <a:xfrm>
+              <a:off x="5338533" y="563649"/>
               <a:ext cx="175564" cy="0"/>
             </a:xfrm>
             <a:custGeom>
@@ -4038,13 +6474,13 @@
         </p:sp>
         <p:sp>
           <p:nvSpPr>
-            <p:cNvPr id="46" name="pl46"/>
-            <p:cNvSpPr/>
-            <p:nvPr/>
-          </p:nvSpPr>
-          <p:spPr>
-            <a:xfrm>
-              <a:off x="5376708" y="563649"/>
+            <p:cNvPr id="106" name="pl106"/>
+            <p:cNvSpPr/>
+            <p:nvPr/>
+          </p:nvSpPr>
+          <p:spPr>
+            <a:xfrm>
+              <a:off x="5338533" y="563649"/>
               <a:ext cx="175564" cy="0"/>
             </a:xfrm>
             <a:custGeom>
@@ -4078,13 +6514,13 @@
         </p:sp>
         <p:sp>
           <p:nvSpPr>
-            <p:cNvPr id="47" name="tx47"/>
-            <p:cNvSpPr/>
-            <p:nvPr/>
-          </p:nvSpPr>
-          <p:spPr>
-            <a:xfrm>
-              <a:off x="4562832" y="478371"/>
+            <p:cNvPr id="107" name="tx107"/>
+            <p:cNvSpPr/>
+            <p:nvPr/>
+          </p:nvSpPr>
+          <p:spPr>
+            <a:xfrm>
+              <a:off x="4524658" y="478371"/>
               <a:ext cx="703361" cy="139824"/>
             </a:xfrm>
             <a:prstGeom prst="rect">
@@ -4124,13 +6560,13 @@
         </p:sp>
         <p:sp>
           <p:nvSpPr>
-            <p:cNvPr id="48" name="tx48"/>
-            <p:cNvSpPr/>
-            <p:nvPr/>
-          </p:nvSpPr>
-          <p:spPr>
-            <a:xfrm>
-              <a:off x="5662786" y="478371"/>
+            <p:cNvPr id="108" name="tx108"/>
+            <p:cNvSpPr/>
+            <p:nvPr/>
+          </p:nvSpPr>
+          <p:spPr>
+            <a:xfrm>
+              <a:off x="5624611" y="478371"/>
               <a:ext cx="635496" cy="139824"/>
             </a:xfrm>
             <a:prstGeom prst="rect">
@@ -4170,13 +6606,13 @@
         </p:sp>
         <p:sp>
           <p:nvSpPr>
-            <p:cNvPr id="49" name="tx49"/>
-            <p:cNvSpPr/>
-            <p:nvPr/>
-          </p:nvSpPr>
-          <p:spPr>
-            <a:xfrm>
-              <a:off x="589110" y="43324"/>
+            <p:cNvPr id="109" name="tx109"/>
+            <p:cNvSpPr/>
+            <p:nvPr/>
+          </p:nvSpPr>
+          <p:spPr>
+            <a:xfrm>
+              <a:off x="512761" y="43324"/>
               <a:ext cx="3060005" cy="190698"/>
             </a:xfrm>
             <a:prstGeom prst="rect">
